--- a/Inventory Segmentation and Shipment Prediction.pptx
+++ b/Inventory Segmentation and Shipment Prediction.pptx
@@ -2863,7 +2863,7 @@
           <a:p>
             <a:fld id="{C452ADB1-275D-430A-89EE-5C7E6CFF6FF2}" type="datetimeFigureOut">
               <a:rPr lang="en-US" smtClean="0"/>
-              <a:t>8/9/2025</a:t>
+              <a:t>8/14/2025</a:t>
             </a:fld>
             <a:endParaRPr lang="en-US" dirty="0"/>
           </a:p>
@@ -3180,7 +3180,7 @@
           <a:noFill/>
           <a:extLst>
             <a:ext uri="{909E8E84-426E-40dd-AFC4-6F175D3DCCD1}">
-              <a14:hiddenFill xmlns="" xmlns:a14="http://schemas.microsoft.com/office/drawing/2010/main">
+              <a14:hiddenFill xmlns:a14="http://schemas.microsoft.com/office/drawing/2010/main" xmlns="">
                 <a:solidFill>
                   <a:srgbClr val="FFFFFF"/>
                 </a:solidFill>
@@ -3240,7 +3240,7 @@
             </a:ln>
             <a:extLst>
               <a:ext uri="{91240B29-F687-4f45-9708-019B960494DF}">
-                <a14:hiddenLine xmlns="" xmlns:a14="http://schemas.microsoft.com/office/drawing/2010/main" w="9525">
+                <a14:hiddenLine xmlns:a14="http://schemas.microsoft.com/office/drawing/2010/main" xmlns="" w="9525">
                   <a:solidFill>
                     <a:srgbClr val="000000"/>
                   </a:solidFill>
@@ -3330,7 +3330,7 @@
             </a:ln>
             <a:extLst>
               <a:ext uri="{91240B29-F687-4f45-9708-019B960494DF}">
-                <a14:hiddenLine xmlns="" xmlns:a14="http://schemas.microsoft.com/office/drawing/2010/main" w="9525">
+                <a14:hiddenLine xmlns:a14="http://schemas.microsoft.com/office/drawing/2010/main" xmlns="" w="9525">
                   <a:solidFill>
                     <a:srgbClr val="000000"/>
                   </a:solidFill>
@@ -3420,7 +3420,7 @@
             </a:ln>
             <a:extLst>
               <a:ext uri="{91240B29-F687-4f45-9708-019B960494DF}">
-                <a14:hiddenLine xmlns="" xmlns:a14="http://schemas.microsoft.com/office/drawing/2010/main" w="9525">
+                <a14:hiddenLine xmlns:a14="http://schemas.microsoft.com/office/drawing/2010/main" xmlns="" w="9525">
                   <a:solidFill>
                     <a:srgbClr val="000000"/>
                   </a:solidFill>
@@ -3454,7 +3454,7 @@
             </a:ln>
             <a:extLst>
               <a:ext uri="{91240B29-F687-4f45-9708-019B960494DF}">
-                <a14:hiddenLine xmlns="" xmlns:a14="http://schemas.microsoft.com/office/drawing/2010/main" w="9525">
+                <a14:hiddenLine xmlns:a14="http://schemas.microsoft.com/office/drawing/2010/main" xmlns="" w="9525">
                   <a:solidFill>
                     <a:srgbClr val="000000"/>
                   </a:solidFill>
@@ -3544,7 +3544,7 @@
             </a:ln>
             <a:extLst>
               <a:ext uri="{91240B29-F687-4f45-9708-019B960494DF}">
-                <a14:hiddenLine xmlns="" xmlns:a14="http://schemas.microsoft.com/office/drawing/2010/main" w="9525">
+                <a14:hiddenLine xmlns:a14="http://schemas.microsoft.com/office/drawing/2010/main" xmlns="" w="9525">
                   <a:solidFill>
                     <a:srgbClr val="000000"/>
                   </a:solidFill>
@@ -3606,7 +3606,7 @@
             </a:ln>
             <a:extLst>
               <a:ext uri="{91240B29-F687-4f45-9708-019B960494DF}">
-                <a14:hiddenLine xmlns="" xmlns:a14="http://schemas.microsoft.com/office/drawing/2010/main" w="9525">
+                <a14:hiddenLine xmlns:a14="http://schemas.microsoft.com/office/drawing/2010/main" xmlns="" w="9525">
                   <a:solidFill>
                     <a:srgbClr val="000000"/>
                   </a:solidFill>
@@ -3668,7 +3668,7 @@
             </a:ln>
             <a:extLst>
               <a:ext uri="{91240B29-F687-4f45-9708-019B960494DF}">
-                <a14:hiddenLine xmlns="" xmlns:a14="http://schemas.microsoft.com/office/drawing/2010/main" w="9525">
+                <a14:hiddenLine xmlns:a14="http://schemas.microsoft.com/office/drawing/2010/main" xmlns="" w="9525">
                   <a:solidFill>
                     <a:srgbClr val="000000"/>
                   </a:solidFill>
@@ -3758,7 +3758,7 @@
             </a:ln>
             <a:extLst>
               <a:ext uri="{91240B29-F687-4f45-9708-019B960494DF}">
-                <a14:hiddenLine xmlns="" xmlns:a14="http://schemas.microsoft.com/office/drawing/2010/main" w="9525">
+                <a14:hiddenLine xmlns:a14="http://schemas.microsoft.com/office/drawing/2010/main" xmlns="" w="9525">
                   <a:solidFill>
                     <a:srgbClr val="000000"/>
                   </a:solidFill>
@@ -3820,7 +3820,7 @@
             </a:ln>
             <a:extLst>
               <a:ext uri="{91240B29-F687-4f45-9708-019B960494DF}">
-                <a14:hiddenLine xmlns="" xmlns:a14="http://schemas.microsoft.com/office/drawing/2010/main" w="9525">
+                <a14:hiddenLine xmlns:a14="http://schemas.microsoft.com/office/drawing/2010/main" xmlns="" w="9525">
                   <a:solidFill>
                     <a:srgbClr val="000000"/>
                   </a:solidFill>
@@ -3882,7 +3882,7 @@
             </a:ln>
             <a:extLst>
               <a:ext uri="{91240B29-F687-4f45-9708-019B960494DF}">
-                <a14:hiddenLine xmlns="" xmlns:a14="http://schemas.microsoft.com/office/drawing/2010/main" w="9525">
+                <a14:hiddenLine xmlns:a14="http://schemas.microsoft.com/office/drawing/2010/main" xmlns="" w="9525">
                   <a:solidFill>
                     <a:srgbClr val="000000"/>
                   </a:solidFill>
@@ -3972,7 +3972,7 @@
             </a:ln>
             <a:extLst>
               <a:ext uri="{91240B29-F687-4f45-9708-019B960494DF}">
-                <a14:hiddenLine xmlns="" xmlns:a14="http://schemas.microsoft.com/office/drawing/2010/main" w="9525">
+                <a14:hiddenLine xmlns:a14="http://schemas.microsoft.com/office/drawing/2010/main" xmlns="" w="9525">
                   <a:solidFill>
                     <a:srgbClr val="000000"/>
                   </a:solidFill>
@@ -4062,7 +4062,7 @@
             </a:ln>
             <a:extLst>
               <a:ext uri="{91240B29-F687-4f45-9708-019B960494DF}">
-                <a14:hiddenLine xmlns="" xmlns:a14="http://schemas.microsoft.com/office/drawing/2010/main" w="9525">
+                <a14:hiddenLine xmlns:a14="http://schemas.microsoft.com/office/drawing/2010/main" xmlns="" w="9525">
                   <a:solidFill>
                     <a:srgbClr val="000000"/>
                   </a:solidFill>
@@ -4124,7 +4124,7 @@
             </a:ln>
             <a:extLst>
               <a:ext uri="{91240B29-F687-4f45-9708-019B960494DF}">
-                <a14:hiddenLine xmlns="" xmlns:a14="http://schemas.microsoft.com/office/drawing/2010/main" w="9525">
+                <a14:hiddenLine xmlns:a14="http://schemas.microsoft.com/office/drawing/2010/main" xmlns="" w="9525">
                   <a:solidFill>
                     <a:srgbClr val="000000"/>
                   </a:solidFill>
@@ -4234,7 +4234,7 @@
             </a:ln>
             <a:extLst>
               <a:ext uri="{91240B29-F687-4f45-9708-019B960494DF}">
-                <a14:hiddenLine xmlns="" xmlns:a14="http://schemas.microsoft.com/office/drawing/2010/main" w="9525">
+                <a14:hiddenLine xmlns:a14="http://schemas.microsoft.com/office/drawing/2010/main" xmlns="" w="9525">
                   <a:solidFill>
                     <a:srgbClr val="000000"/>
                   </a:solidFill>
@@ -4296,7 +4296,7 @@
             </a:ln>
             <a:extLst>
               <a:ext uri="{91240B29-F687-4f45-9708-019B960494DF}">
-                <a14:hiddenLine xmlns="" xmlns:a14="http://schemas.microsoft.com/office/drawing/2010/main" w="9525">
+                <a14:hiddenLine xmlns:a14="http://schemas.microsoft.com/office/drawing/2010/main" xmlns="" w="9525">
                   <a:solidFill>
                     <a:srgbClr val="000000"/>
                   </a:solidFill>
@@ -4386,7 +4386,7 @@
             </a:ln>
             <a:extLst>
               <a:ext uri="{91240B29-F687-4f45-9708-019B960494DF}">
-                <a14:hiddenLine xmlns="" xmlns:a14="http://schemas.microsoft.com/office/drawing/2010/main" w="9525">
+                <a14:hiddenLine xmlns:a14="http://schemas.microsoft.com/office/drawing/2010/main" xmlns="" w="9525">
                   <a:solidFill>
                     <a:srgbClr val="000000"/>
                   </a:solidFill>
@@ -4476,7 +4476,7 @@
             </a:ln>
             <a:extLst>
               <a:ext uri="{91240B29-F687-4f45-9708-019B960494DF}">
-                <a14:hiddenLine xmlns="" xmlns:a14="http://schemas.microsoft.com/office/drawing/2010/main" w="9525">
+                <a14:hiddenLine xmlns:a14="http://schemas.microsoft.com/office/drawing/2010/main" xmlns="" w="9525">
                   <a:solidFill>
                     <a:srgbClr val="000000"/>
                   </a:solidFill>
@@ -4538,7 +4538,7 @@
             </a:ln>
             <a:extLst>
               <a:ext uri="{91240B29-F687-4f45-9708-019B960494DF}">
-                <a14:hiddenLine xmlns="" xmlns:a14="http://schemas.microsoft.com/office/drawing/2010/main" w="9525">
+                <a14:hiddenLine xmlns:a14="http://schemas.microsoft.com/office/drawing/2010/main" xmlns="" w="9525">
                   <a:solidFill>
                     <a:srgbClr val="000000"/>
                   </a:solidFill>
@@ -4628,7 +4628,7 @@
             </a:ln>
             <a:extLst>
               <a:ext uri="{91240B29-F687-4f45-9708-019B960494DF}">
-                <a14:hiddenLine xmlns="" xmlns:a14="http://schemas.microsoft.com/office/drawing/2010/main" w="9525">
+                <a14:hiddenLine xmlns:a14="http://schemas.microsoft.com/office/drawing/2010/main" xmlns="" w="9525">
                   <a:solidFill>
                     <a:srgbClr val="000000"/>
                   </a:solidFill>
@@ -4718,7 +4718,7 @@
             </a:ln>
             <a:extLst>
               <a:ext uri="{91240B29-F687-4f45-9708-019B960494DF}">
-                <a14:hiddenLine xmlns="" xmlns:a14="http://schemas.microsoft.com/office/drawing/2010/main" w="9525">
+                <a14:hiddenLine xmlns:a14="http://schemas.microsoft.com/office/drawing/2010/main" xmlns="" w="9525">
                   <a:solidFill>
                     <a:srgbClr val="000000"/>
                   </a:solidFill>
@@ -4774,7 +4774,7 @@
             </a:ln>
             <a:extLst>
               <a:ext uri="{91240B29-F687-4f45-9708-019B960494DF}">
-                <a14:hiddenLine xmlns="" xmlns:a14="http://schemas.microsoft.com/office/drawing/2010/main" w="9525">
+                <a14:hiddenLine xmlns:a14="http://schemas.microsoft.com/office/drawing/2010/main" xmlns="" w="9525">
                   <a:solidFill>
                     <a:srgbClr val="000000"/>
                   </a:solidFill>
@@ -4864,7 +4864,7 @@
             </a:ln>
             <a:extLst>
               <a:ext uri="{91240B29-F687-4f45-9708-019B960494DF}">
-                <a14:hiddenLine xmlns="" xmlns:a14="http://schemas.microsoft.com/office/drawing/2010/main" w="9525">
+                <a14:hiddenLine xmlns:a14="http://schemas.microsoft.com/office/drawing/2010/main" xmlns="" w="9525">
                   <a:solidFill>
                     <a:srgbClr val="000000"/>
                   </a:solidFill>
@@ -4920,7 +4920,7 @@
             </a:ln>
             <a:extLst>
               <a:ext uri="{91240B29-F687-4f45-9708-019B960494DF}">
-                <a14:hiddenLine xmlns="" xmlns:a14="http://schemas.microsoft.com/office/drawing/2010/main" w="9525">
+                <a14:hiddenLine xmlns:a14="http://schemas.microsoft.com/office/drawing/2010/main" xmlns="" w="9525">
                   <a:solidFill>
                     <a:srgbClr val="000000"/>
                   </a:solidFill>
@@ -5010,7 +5010,7 @@
             </a:ln>
             <a:extLst>
               <a:ext uri="{91240B29-F687-4f45-9708-019B960494DF}">
-                <a14:hiddenLine xmlns="" xmlns:a14="http://schemas.microsoft.com/office/drawing/2010/main" w="9525">
+                <a14:hiddenLine xmlns:a14="http://schemas.microsoft.com/office/drawing/2010/main" xmlns="" w="9525">
                   <a:solidFill>
                     <a:srgbClr val="000000"/>
                   </a:solidFill>
@@ -5078,7 +5078,7 @@
             </a:ln>
             <a:extLst>
               <a:ext uri="{91240B29-F687-4f45-9708-019B960494DF}">
-                <a14:hiddenLine xmlns="" xmlns:a14="http://schemas.microsoft.com/office/drawing/2010/main" w="9525">
+                <a14:hiddenLine xmlns:a14="http://schemas.microsoft.com/office/drawing/2010/main" xmlns="" w="9525">
                   <a:solidFill>
                     <a:srgbClr val="000000"/>
                   </a:solidFill>
@@ -5168,7 +5168,7 @@
             </a:ln>
             <a:extLst>
               <a:ext uri="{91240B29-F687-4f45-9708-019B960494DF}">
-                <a14:hiddenLine xmlns="" xmlns:a14="http://schemas.microsoft.com/office/drawing/2010/main" w="9525">
+                <a14:hiddenLine xmlns:a14="http://schemas.microsoft.com/office/drawing/2010/main" xmlns="" w="9525">
                   <a:solidFill>
                     <a:srgbClr val="000000"/>
                   </a:solidFill>
@@ -5236,7 +5236,7 @@
             </a:ln>
             <a:extLst>
               <a:ext uri="{91240B29-F687-4f45-9708-019B960494DF}">
-                <a14:hiddenLine xmlns="" xmlns:a14="http://schemas.microsoft.com/office/drawing/2010/main" w="9525">
+                <a14:hiddenLine xmlns:a14="http://schemas.microsoft.com/office/drawing/2010/main" xmlns="" w="9525">
                   <a:solidFill>
                     <a:srgbClr val="000000"/>
                   </a:solidFill>
@@ -5326,7 +5326,7 @@
             </a:ln>
             <a:extLst>
               <a:ext uri="{91240B29-F687-4f45-9708-019B960494DF}">
-                <a14:hiddenLine xmlns="" xmlns:a14="http://schemas.microsoft.com/office/drawing/2010/main" w="9525">
+                <a14:hiddenLine xmlns:a14="http://schemas.microsoft.com/office/drawing/2010/main" xmlns="" w="9525">
                   <a:solidFill>
                     <a:srgbClr val="000000"/>
                   </a:solidFill>
@@ -5360,7 +5360,7 @@
             </a:ln>
             <a:extLst>
               <a:ext uri="{91240B29-F687-4f45-9708-019B960494DF}">
-                <a14:hiddenLine xmlns="" xmlns:a14="http://schemas.microsoft.com/office/drawing/2010/main" w="9525">
+                <a14:hiddenLine xmlns:a14="http://schemas.microsoft.com/office/drawing/2010/main" xmlns="" w="9525">
                   <a:solidFill>
                     <a:srgbClr val="000000"/>
                   </a:solidFill>
@@ -5450,7 +5450,7 @@
             </a:ln>
             <a:extLst>
               <a:ext uri="{91240B29-F687-4f45-9708-019B960494DF}">
-                <a14:hiddenLine xmlns="" xmlns:a14="http://schemas.microsoft.com/office/drawing/2010/main" w="9525">
+                <a14:hiddenLine xmlns:a14="http://schemas.microsoft.com/office/drawing/2010/main" xmlns="" w="9525">
                   <a:solidFill>
                     <a:srgbClr val="000000"/>
                   </a:solidFill>
@@ -5512,7 +5512,7 @@
             </a:ln>
             <a:extLst>
               <a:ext uri="{91240B29-F687-4f45-9708-019B960494DF}">
-                <a14:hiddenLine xmlns="" xmlns:a14="http://schemas.microsoft.com/office/drawing/2010/main" w="9525">
+                <a14:hiddenLine xmlns:a14="http://schemas.microsoft.com/office/drawing/2010/main" xmlns="" w="9525">
                   <a:solidFill>
                     <a:srgbClr val="000000"/>
                   </a:solidFill>
@@ -5574,7 +5574,7 @@
             </a:ln>
             <a:extLst>
               <a:ext uri="{91240B29-F687-4f45-9708-019B960494DF}">
-                <a14:hiddenLine xmlns="" xmlns:a14="http://schemas.microsoft.com/office/drawing/2010/main" w="9525">
+                <a14:hiddenLine xmlns:a14="http://schemas.microsoft.com/office/drawing/2010/main" xmlns="" w="9525">
                   <a:solidFill>
                     <a:srgbClr val="000000"/>
                   </a:solidFill>
@@ -5664,7 +5664,7 @@
             </a:ln>
             <a:extLst>
               <a:ext uri="{91240B29-F687-4f45-9708-019B960494DF}">
-                <a14:hiddenLine xmlns="" xmlns:a14="http://schemas.microsoft.com/office/drawing/2010/main" w="9525">
+                <a14:hiddenLine xmlns:a14="http://schemas.microsoft.com/office/drawing/2010/main" xmlns="" w="9525">
                   <a:solidFill>
                     <a:srgbClr val="000000"/>
                   </a:solidFill>
@@ -5732,7 +5732,7 @@
             </a:ln>
             <a:extLst>
               <a:ext uri="{91240B29-F687-4f45-9708-019B960494DF}">
-                <a14:hiddenLine xmlns="" xmlns:a14="http://schemas.microsoft.com/office/drawing/2010/main" w="9525">
+                <a14:hiddenLine xmlns:a14="http://schemas.microsoft.com/office/drawing/2010/main" xmlns="" w="9525">
                   <a:solidFill>
                     <a:srgbClr val="000000"/>
                   </a:solidFill>
@@ -5794,7 +5794,7 @@
             </a:ln>
             <a:extLst>
               <a:ext uri="{91240B29-F687-4f45-9708-019B960494DF}">
-                <a14:hiddenLine xmlns="" xmlns:a14="http://schemas.microsoft.com/office/drawing/2010/main" w="9525">
+                <a14:hiddenLine xmlns:a14="http://schemas.microsoft.com/office/drawing/2010/main" xmlns="" w="9525">
                   <a:solidFill>
                     <a:srgbClr val="000000"/>
                   </a:solidFill>
@@ -5884,7 +5884,7 @@
             </a:ln>
             <a:extLst>
               <a:ext uri="{91240B29-F687-4f45-9708-019B960494DF}">
-                <a14:hiddenLine xmlns="" xmlns:a14="http://schemas.microsoft.com/office/drawing/2010/main" w="9525">
+                <a14:hiddenLine xmlns:a14="http://schemas.microsoft.com/office/drawing/2010/main" xmlns="" w="9525">
                   <a:solidFill>
                     <a:srgbClr val="000000"/>
                   </a:solidFill>
@@ -5946,7 +5946,7 @@
             </a:ln>
             <a:extLst>
               <a:ext uri="{91240B29-F687-4f45-9708-019B960494DF}">
-                <a14:hiddenLine xmlns="" xmlns:a14="http://schemas.microsoft.com/office/drawing/2010/main" w="9525">
+                <a14:hiddenLine xmlns:a14="http://schemas.microsoft.com/office/drawing/2010/main" xmlns="" w="9525">
                   <a:solidFill>
                     <a:srgbClr val="000000"/>
                   </a:solidFill>
@@ -6036,7 +6036,7 @@
             </a:ln>
             <a:extLst>
               <a:ext uri="{91240B29-F687-4f45-9708-019B960494DF}">
-                <a14:hiddenLine xmlns="" xmlns:a14="http://schemas.microsoft.com/office/drawing/2010/main" w="9525">
+                <a14:hiddenLine xmlns:a14="http://schemas.microsoft.com/office/drawing/2010/main" xmlns="" w="9525">
                   <a:solidFill>
                     <a:srgbClr val="000000"/>
                   </a:solidFill>
@@ -6098,7 +6098,7 @@
             </a:ln>
             <a:extLst>
               <a:ext uri="{91240B29-F687-4f45-9708-019B960494DF}">
-                <a14:hiddenLine xmlns="" xmlns:a14="http://schemas.microsoft.com/office/drawing/2010/main" w="9525">
+                <a14:hiddenLine xmlns:a14="http://schemas.microsoft.com/office/drawing/2010/main" xmlns="" w="9525">
                   <a:solidFill>
                     <a:srgbClr val="000000"/>
                   </a:solidFill>
@@ -6188,7 +6188,7 @@
             </a:ln>
             <a:extLst>
               <a:ext uri="{91240B29-F687-4f45-9708-019B960494DF}">
-                <a14:hiddenLine xmlns="" xmlns:a14="http://schemas.microsoft.com/office/drawing/2010/main" w="9525">
+                <a14:hiddenLine xmlns:a14="http://schemas.microsoft.com/office/drawing/2010/main" xmlns="" w="9525">
                   <a:solidFill>
                     <a:srgbClr val="000000"/>
                   </a:solidFill>
@@ -6222,7 +6222,7 @@
             </a:ln>
             <a:extLst>
               <a:ext uri="{91240B29-F687-4f45-9708-019B960494DF}">
-                <a14:hiddenLine xmlns="" xmlns:a14="http://schemas.microsoft.com/office/drawing/2010/main" w="9525">
+                <a14:hiddenLine xmlns:a14="http://schemas.microsoft.com/office/drawing/2010/main" xmlns="" w="9525">
                   <a:solidFill>
                     <a:srgbClr val="000000"/>
                   </a:solidFill>
@@ -6287,7 +6287,7 @@
             </a:ln>
             <a:extLst>
               <a:ext uri="{91240B29-F687-4f45-9708-019B960494DF}">
-                <a14:hiddenLine xmlns="" xmlns:a14="http://schemas.microsoft.com/office/drawing/2010/main" w="9525">
+                <a14:hiddenLine xmlns:a14="http://schemas.microsoft.com/office/drawing/2010/main" xmlns="" w="9525">
                   <a:solidFill>
                     <a:srgbClr val="000000"/>
                   </a:solidFill>
@@ -6377,7 +6377,7 @@
             </a:ln>
             <a:extLst>
               <a:ext uri="{91240B29-F687-4f45-9708-019B960494DF}">
-                <a14:hiddenLine xmlns="" xmlns:a14="http://schemas.microsoft.com/office/drawing/2010/main" w="9525">
+                <a14:hiddenLine xmlns:a14="http://schemas.microsoft.com/office/drawing/2010/main" xmlns="" w="9525">
                   <a:solidFill>
                     <a:srgbClr val="000000"/>
                   </a:solidFill>
@@ -6439,7 +6439,7 @@
             </a:ln>
             <a:extLst>
               <a:ext uri="{91240B29-F687-4f45-9708-019B960494DF}">
-                <a14:hiddenLine xmlns="" xmlns:a14="http://schemas.microsoft.com/office/drawing/2010/main" w="9525">
+                <a14:hiddenLine xmlns:a14="http://schemas.microsoft.com/office/drawing/2010/main" xmlns="" w="9525">
                   <a:solidFill>
                     <a:srgbClr val="000000"/>
                   </a:solidFill>
@@ -6529,7 +6529,7 @@
             </a:ln>
             <a:extLst>
               <a:ext uri="{91240B29-F687-4f45-9708-019B960494DF}">
-                <a14:hiddenLine xmlns="" xmlns:a14="http://schemas.microsoft.com/office/drawing/2010/main" w="9525">
+                <a14:hiddenLine xmlns:a14="http://schemas.microsoft.com/office/drawing/2010/main" xmlns="" w="9525">
                   <a:solidFill>
                     <a:srgbClr val="000000"/>
                   </a:solidFill>
@@ -6619,7 +6619,7 @@
             </a:ln>
             <a:extLst>
               <a:ext uri="{91240B29-F687-4f45-9708-019B960494DF}">
-                <a14:hiddenLine xmlns="" xmlns:a14="http://schemas.microsoft.com/office/drawing/2010/main" w="9525">
+                <a14:hiddenLine xmlns:a14="http://schemas.microsoft.com/office/drawing/2010/main" xmlns="" w="9525">
                   <a:solidFill>
                     <a:srgbClr val="000000"/>
                   </a:solidFill>
@@ -6684,7 +6684,7 @@
             </a:ln>
             <a:extLst>
               <a:ext uri="{91240B29-F687-4f45-9708-019B960494DF}">
-                <a14:hiddenLine xmlns="" xmlns:a14="http://schemas.microsoft.com/office/drawing/2010/main" w="9525">
+                <a14:hiddenLine xmlns:a14="http://schemas.microsoft.com/office/drawing/2010/main" xmlns="" w="9525">
                   <a:solidFill>
                     <a:srgbClr val="000000"/>
                   </a:solidFill>
@@ -6746,7 +6746,7 @@
             </a:ln>
             <a:extLst>
               <a:ext uri="{91240B29-F687-4f45-9708-019B960494DF}">
-                <a14:hiddenLine xmlns="" xmlns:a14="http://schemas.microsoft.com/office/drawing/2010/main" w="9525">
+                <a14:hiddenLine xmlns:a14="http://schemas.microsoft.com/office/drawing/2010/main" xmlns="" w="9525">
                   <a:solidFill>
                     <a:srgbClr val="000000"/>
                   </a:solidFill>
@@ -6836,7 +6836,7 @@
             </a:ln>
             <a:extLst>
               <a:ext uri="{91240B29-F687-4f45-9708-019B960494DF}">
-                <a14:hiddenLine xmlns="" xmlns:a14="http://schemas.microsoft.com/office/drawing/2010/main" w="9525">
+                <a14:hiddenLine xmlns:a14="http://schemas.microsoft.com/office/drawing/2010/main" xmlns="" w="9525">
                   <a:solidFill>
                     <a:srgbClr val="000000"/>
                   </a:solidFill>
@@ -6926,7 +6926,7 @@
             </a:ln>
             <a:extLst>
               <a:ext uri="{91240B29-F687-4f45-9708-019B960494DF}">
-                <a14:hiddenLine xmlns="" xmlns:a14="http://schemas.microsoft.com/office/drawing/2010/main" w="9525">
+                <a14:hiddenLine xmlns:a14="http://schemas.microsoft.com/office/drawing/2010/main" xmlns="" w="9525">
                   <a:solidFill>
                     <a:srgbClr val="000000"/>
                   </a:solidFill>
@@ -6988,7 +6988,7 @@
             </a:ln>
             <a:extLst>
               <a:ext uri="{91240B29-F687-4f45-9708-019B960494DF}">
-                <a14:hiddenLine xmlns="" xmlns:a14="http://schemas.microsoft.com/office/drawing/2010/main" w="9525">
+                <a14:hiddenLine xmlns:a14="http://schemas.microsoft.com/office/drawing/2010/main" xmlns="" w="9525">
                   <a:solidFill>
                     <a:srgbClr val="000000"/>
                   </a:solidFill>
@@ -7108,7 +7108,7 @@
             </a:ln>
             <a:extLst>
               <a:ext uri="{91240B29-F687-4f45-9708-019B960494DF}">
-                <a14:hiddenLine xmlns="" xmlns:a14="http://schemas.microsoft.com/office/drawing/2010/main" w="9525">
+                <a14:hiddenLine xmlns:a14="http://schemas.microsoft.com/office/drawing/2010/main" xmlns="" w="9525">
                   <a:solidFill>
                     <a:srgbClr val="000000"/>
                   </a:solidFill>
@@ -7176,7 +7176,7 @@
             </a:ln>
             <a:extLst>
               <a:ext uri="{91240B29-F687-4f45-9708-019B960494DF}">
-                <a14:hiddenLine xmlns="" xmlns:a14="http://schemas.microsoft.com/office/drawing/2010/main" w="9525">
+                <a14:hiddenLine xmlns:a14="http://schemas.microsoft.com/office/drawing/2010/main" xmlns="" w="9525">
                   <a:solidFill>
                     <a:srgbClr val="000000"/>
                   </a:solidFill>
@@ -7266,7 +7266,7 @@
             </a:ln>
             <a:extLst>
               <a:ext uri="{91240B29-F687-4f45-9708-019B960494DF}">
-                <a14:hiddenLine xmlns="" xmlns:a14="http://schemas.microsoft.com/office/drawing/2010/main" w="9525">
+                <a14:hiddenLine xmlns:a14="http://schemas.microsoft.com/office/drawing/2010/main" xmlns="" w="9525">
                   <a:solidFill>
                     <a:srgbClr val="000000"/>
                   </a:solidFill>
@@ -7406,7 +7406,7 @@
           <a:p>
             <a:fld id="{7005E26E-BCB2-4FD5-8FD5-81A5EAE94C21}" type="datetime1">
               <a:rPr lang="en-US" smtClean="0"/>
-              <a:t>8/9/2025</a:t>
+              <a:t>8/14/2025</a:t>
             </a:fld>
             <a:endParaRPr lang="en-US" dirty="0"/>
           </a:p>
@@ -7673,7 +7673,7 @@
           <a:p>
             <a:fld id="{E7EE424C-FCA3-4EDD-B274-8E055D649B7D}" type="datetime1">
               <a:rPr lang="en-US" smtClean="0"/>
-              <a:t>8/9/2025</a:t>
+              <a:t>8/14/2025</a:t>
             </a:fld>
             <a:endParaRPr lang="en-US" dirty="0"/>
           </a:p>
@@ -7871,7 +7871,7 @@
           <a:p>
             <a:fld id="{E7EE424C-FCA3-4EDD-B274-8E055D649B7D}" type="datetime1">
               <a:rPr lang="en-US" smtClean="0"/>
-              <a:t>8/9/2025</a:t>
+              <a:t>8/14/2025</a:t>
             </a:fld>
             <a:endParaRPr lang="en-US" dirty="0"/>
           </a:p>
@@ -8136,7 +8136,7 @@
           <a:p>
             <a:fld id="{E7EE424C-FCA3-4EDD-B274-8E055D649B7D}" type="datetime1">
               <a:rPr lang="en-US" smtClean="0"/>
-              <a:t>8/9/2025</a:t>
+              <a:t>8/14/2025</a:t>
             </a:fld>
             <a:endParaRPr lang="en-US" dirty="0"/>
           </a:p>
@@ -8572,7 +8572,7 @@
           <a:p>
             <a:fld id="{E7EE424C-FCA3-4EDD-B274-8E055D649B7D}" type="datetime1">
               <a:rPr lang="en-US" smtClean="0"/>
-              <a:t>8/9/2025</a:t>
+              <a:t>8/14/2025</a:t>
             </a:fld>
             <a:endParaRPr lang="en-US" dirty="0"/>
           </a:p>
@@ -9120,7 +9120,7 @@
           <a:p>
             <a:fld id="{E7EE424C-FCA3-4EDD-B274-8E055D649B7D}" type="datetime1">
               <a:rPr lang="en-US" smtClean="0"/>
-              <a:t>8/9/2025</a:t>
+              <a:t>8/14/2025</a:t>
             </a:fld>
             <a:endParaRPr lang="en-US" dirty="0"/>
           </a:p>
@@ -9842,7 +9842,7 @@
           <a:p>
             <a:fld id="{E7EE424C-FCA3-4EDD-B274-8E055D649B7D}" type="datetime1">
               <a:rPr lang="en-US" smtClean="0"/>
-              <a:t>8/9/2025</a:t>
+              <a:t>8/14/2025</a:t>
             </a:fld>
             <a:endParaRPr lang="en-US" dirty="0"/>
           </a:p>
@@ -10014,7 +10014,7 @@
           <a:p>
             <a:fld id="{9CC2E9B8-0487-42E4-B571-744A3D775783}" type="datetime1">
               <a:rPr lang="en-US" smtClean="0"/>
-              <a:t>8/9/2025</a:t>
+              <a:t>8/14/2025</a:t>
             </a:fld>
             <a:endParaRPr lang="en-US" dirty="0"/>
           </a:p>
@@ -10194,7 +10194,7 @@
           <a:p>
             <a:fld id="{9052E32D-1E84-43FD-8158-FFFE757EB0E8}" type="datetime1">
               <a:rPr lang="en-US" smtClean="0"/>
-              <a:t>8/9/2025</a:t>
+              <a:t>8/14/2025</a:t>
             </a:fld>
             <a:endParaRPr lang="en-US" dirty="0"/>
           </a:p>
@@ -10364,7 +10364,7 @@
           <a:p>
             <a:fld id="{8585C470-CD19-455C-B830-6D252EAD7FE5}" type="datetime1">
               <a:rPr lang="en-US" smtClean="0"/>
-              <a:t>8/9/2025</a:t>
+              <a:t>8/14/2025</a:t>
             </a:fld>
             <a:endParaRPr lang="en-US" dirty="0"/>
           </a:p>
@@ -10614,7 +10614,7 @@
           <a:p>
             <a:fld id="{7F85C43C-50D9-4F49-A136-0EFF292F93ED}" type="datetime1">
               <a:rPr lang="en-US" smtClean="0"/>
-              <a:t>8/9/2025</a:t>
+              <a:t>8/14/2025</a:t>
             </a:fld>
             <a:endParaRPr lang="en-US" dirty="0"/>
           </a:p>
@@ -10846,7 +10846,7 @@
           <a:p>
             <a:fld id="{7B53B1A3-0AEF-4064-A724-D27D660C8653}" type="datetime1">
               <a:rPr lang="en-US" smtClean="0"/>
-              <a:t>8/9/2025</a:t>
+              <a:t>8/14/2025</a:t>
             </a:fld>
             <a:endParaRPr lang="en-US" dirty="0"/>
           </a:p>
@@ -11227,7 +11227,7 @@
           <a:p>
             <a:fld id="{37D5D0F2-BF66-4A24-9384-A0129B196518}" type="datetime1">
               <a:rPr lang="en-US" smtClean="0"/>
-              <a:t>8/9/2025</a:t>
+              <a:t>8/14/2025</a:t>
             </a:fld>
             <a:endParaRPr lang="en-US" dirty="0"/>
           </a:p>
@@ -11345,7 +11345,7 @@
           <a:p>
             <a:fld id="{8C318A6C-4F6B-48D2-BDB0-D7413B3FDB0A}" type="datetime1">
               <a:rPr lang="en-US" smtClean="0"/>
-              <a:t>8/9/2025</a:t>
+              <a:t>8/14/2025</a:t>
             </a:fld>
             <a:endParaRPr lang="en-US" dirty="0"/>
           </a:p>
@@ -11440,7 +11440,7 @@
           <a:p>
             <a:fld id="{BF01ECED-6ECE-4989-B917-9D4D7E6D3C76}" type="datetime1">
               <a:rPr lang="en-US" smtClean="0"/>
-              <a:t>8/9/2025</a:t>
+              <a:t>8/14/2025</a:t>
             </a:fld>
             <a:endParaRPr lang="en-US" dirty="0"/>
           </a:p>
@@ -11689,7 +11689,7 @@
           <a:p>
             <a:fld id="{E3B570E1-CB40-488E-8C6F-EF4211DFFCB0}" type="datetime1">
               <a:rPr lang="en-US" smtClean="0"/>
-              <a:t>8/9/2025</a:t>
+              <a:t>8/14/2025</a:t>
             </a:fld>
             <a:endParaRPr lang="en-US" dirty="0"/>
           </a:p>
@@ -11969,7 +11969,7 @@
           <a:p>
             <a:fld id="{D1CEB6AF-9F5C-43BE-879E-CB9514111250}" type="datetime1">
               <a:rPr lang="en-US" smtClean="0"/>
-              <a:t>8/9/2025</a:t>
+              <a:t>8/14/2025</a:t>
             </a:fld>
             <a:endParaRPr lang="en-US" dirty="0"/>
           </a:p>
@@ -12085,7 +12085,7 @@
           <a:noFill/>
           <a:extLst>
             <a:ext uri="{909E8E84-426E-40dd-AFC4-6F175D3DCCD1}">
-              <a14:hiddenFill xmlns="" xmlns:a14="http://schemas.microsoft.com/office/drawing/2010/main">
+              <a14:hiddenFill xmlns:a14="http://schemas.microsoft.com/office/drawing/2010/main" xmlns="">
                 <a:solidFill>
                   <a:srgbClr val="FFFFFF"/>
                 </a:solidFill>
@@ -12159,7 +12159,7 @@
               </a:ln>
               <a:extLst>
                 <a:ext uri="{91240B29-F687-4f45-9708-019B960494DF}">
-                  <a14:hiddenLine xmlns="" xmlns:a14="http://schemas.microsoft.com/office/drawing/2010/main" w="9525">
+                  <a14:hiddenLine xmlns:a14="http://schemas.microsoft.com/office/drawing/2010/main" xmlns="" w="9525">
                     <a:solidFill>
                       <a:srgbClr val="000000"/>
                     </a:solidFill>
@@ -12249,7 +12249,7 @@
               </a:ln>
               <a:extLst>
                 <a:ext uri="{91240B29-F687-4f45-9708-019B960494DF}">
-                  <a14:hiddenLine xmlns="" xmlns:a14="http://schemas.microsoft.com/office/drawing/2010/main" w="9525">
+                  <a14:hiddenLine xmlns:a14="http://schemas.microsoft.com/office/drawing/2010/main" xmlns="" w="9525">
                     <a:solidFill>
                       <a:srgbClr val="000000"/>
                     </a:solidFill>
@@ -12339,7 +12339,7 @@
               </a:ln>
               <a:extLst>
                 <a:ext uri="{91240B29-F687-4f45-9708-019B960494DF}">
-                  <a14:hiddenLine xmlns="" xmlns:a14="http://schemas.microsoft.com/office/drawing/2010/main" w="9525">
+                  <a14:hiddenLine xmlns:a14="http://schemas.microsoft.com/office/drawing/2010/main" xmlns="" w="9525">
                     <a:solidFill>
                       <a:srgbClr val="000000"/>
                     </a:solidFill>
@@ -12401,7 +12401,7 @@
               </a:ln>
               <a:extLst>
                 <a:ext uri="{91240B29-F687-4f45-9708-019B960494DF}">
-                  <a14:hiddenLine xmlns="" xmlns:a14="http://schemas.microsoft.com/office/drawing/2010/main" w="9525">
+                  <a14:hiddenLine xmlns:a14="http://schemas.microsoft.com/office/drawing/2010/main" xmlns="" w="9525">
                     <a:solidFill>
                       <a:srgbClr val="000000"/>
                     </a:solidFill>
@@ -12491,7 +12491,7 @@
               </a:ln>
               <a:extLst>
                 <a:ext uri="{91240B29-F687-4f45-9708-019B960494DF}">
-                  <a14:hiddenLine xmlns="" xmlns:a14="http://schemas.microsoft.com/office/drawing/2010/main" w="9525">
+                  <a14:hiddenLine xmlns:a14="http://schemas.microsoft.com/office/drawing/2010/main" xmlns="" w="9525">
                     <a:solidFill>
                       <a:srgbClr val="000000"/>
                     </a:solidFill>
@@ -12553,7 +12553,7 @@
               </a:ln>
               <a:extLst>
                 <a:ext uri="{91240B29-F687-4f45-9708-019B960494DF}">
-                  <a14:hiddenLine xmlns="" xmlns:a14="http://schemas.microsoft.com/office/drawing/2010/main" w="9525">
+                  <a14:hiddenLine xmlns:a14="http://schemas.microsoft.com/office/drawing/2010/main" xmlns="" w="9525">
                     <a:solidFill>
                       <a:srgbClr val="000000"/>
                     </a:solidFill>
@@ -12615,7 +12615,7 @@
               </a:ln>
               <a:extLst>
                 <a:ext uri="{91240B29-F687-4f45-9708-019B960494DF}">
-                  <a14:hiddenLine xmlns="" xmlns:a14="http://schemas.microsoft.com/office/drawing/2010/main" w="9525">
+                  <a14:hiddenLine xmlns:a14="http://schemas.microsoft.com/office/drawing/2010/main" xmlns="" w="9525">
                     <a:solidFill>
                       <a:srgbClr val="000000"/>
                     </a:solidFill>
@@ -12705,7 +12705,7 @@
               </a:ln>
               <a:extLst>
                 <a:ext uri="{91240B29-F687-4f45-9708-019B960494DF}">
-                  <a14:hiddenLine xmlns="" xmlns:a14="http://schemas.microsoft.com/office/drawing/2010/main" w="9525">
+                  <a14:hiddenLine xmlns:a14="http://schemas.microsoft.com/office/drawing/2010/main" xmlns="" w="9525">
                     <a:solidFill>
                       <a:srgbClr val="000000"/>
                     </a:solidFill>
@@ -12795,7 +12795,7 @@
               </a:ln>
               <a:extLst>
                 <a:ext uri="{91240B29-F687-4f45-9708-019B960494DF}">
-                  <a14:hiddenLine xmlns="" xmlns:a14="http://schemas.microsoft.com/office/drawing/2010/main" w="9525">
+                  <a14:hiddenLine xmlns:a14="http://schemas.microsoft.com/office/drawing/2010/main" xmlns="" w="9525">
                     <a:solidFill>
                       <a:srgbClr val="000000"/>
                     </a:solidFill>
@@ -12857,7 +12857,7 @@
               </a:ln>
               <a:extLst>
                 <a:ext uri="{91240B29-F687-4f45-9708-019B960494DF}">
-                  <a14:hiddenLine xmlns="" xmlns:a14="http://schemas.microsoft.com/office/drawing/2010/main" w="9525">
+                  <a14:hiddenLine xmlns:a14="http://schemas.microsoft.com/office/drawing/2010/main" xmlns="" w="9525">
                     <a:solidFill>
                       <a:srgbClr val="000000"/>
                     </a:solidFill>
@@ -12967,7 +12967,7 @@
               </a:ln>
               <a:extLst>
                 <a:ext uri="{91240B29-F687-4f45-9708-019B960494DF}">
-                  <a14:hiddenLine xmlns="" xmlns:a14="http://schemas.microsoft.com/office/drawing/2010/main" w="9525">
+                  <a14:hiddenLine xmlns:a14="http://schemas.microsoft.com/office/drawing/2010/main" xmlns="" w="9525">
                     <a:solidFill>
                       <a:srgbClr val="000000"/>
                     </a:solidFill>
@@ -13051,7 +13051,7 @@
               </a:ln>
               <a:extLst>
                 <a:ext uri="{91240B29-F687-4f45-9708-019B960494DF}">
-                  <a14:hiddenLine xmlns="" xmlns:a14="http://schemas.microsoft.com/office/drawing/2010/main" w="9525">
+                  <a14:hiddenLine xmlns:a14="http://schemas.microsoft.com/office/drawing/2010/main" xmlns="" w="9525">
                     <a:solidFill>
                       <a:srgbClr val="000000"/>
                     </a:solidFill>
@@ -13113,7 +13113,7 @@
               </a:ln>
               <a:extLst>
                 <a:ext uri="{91240B29-F687-4f45-9708-019B960494DF}">
-                  <a14:hiddenLine xmlns="" xmlns:a14="http://schemas.microsoft.com/office/drawing/2010/main" w="9525">
+                  <a14:hiddenLine xmlns:a14="http://schemas.microsoft.com/office/drawing/2010/main" xmlns="" w="9525">
                     <a:solidFill>
                       <a:srgbClr val="000000"/>
                     </a:solidFill>
@@ -13175,7 +13175,7 @@
               </a:ln>
               <a:extLst>
                 <a:ext uri="{91240B29-F687-4f45-9708-019B960494DF}">
-                  <a14:hiddenLine xmlns="" xmlns:a14="http://schemas.microsoft.com/office/drawing/2010/main" w="9525">
+                  <a14:hiddenLine xmlns:a14="http://schemas.microsoft.com/office/drawing/2010/main" xmlns="" w="9525">
                     <a:solidFill>
                       <a:srgbClr val="000000"/>
                     </a:solidFill>
@@ -13265,7 +13265,7 @@
               </a:ln>
               <a:extLst>
                 <a:ext uri="{91240B29-F687-4f45-9708-019B960494DF}">
-                  <a14:hiddenLine xmlns="" xmlns:a14="http://schemas.microsoft.com/office/drawing/2010/main" w="9525">
+                  <a14:hiddenLine xmlns:a14="http://schemas.microsoft.com/office/drawing/2010/main" xmlns="" w="9525">
                     <a:solidFill>
                       <a:srgbClr val="000000"/>
                     </a:solidFill>
@@ -13299,7 +13299,7 @@
               </a:ln>
               <a:extLst>
                 <a:ext uri="{91240B29-F687-4f45-9708-019B960494DF}">
-                  <a14:hiddenLine xmlns="" xmlns:a14="http://schemas.microsoft.com/office/drawing/2010/main" w="9525">
+                  <a14:hiddenLine xmlns:a14="http://schemas.microsoft.com/office/drawing/2010/main" xmlns="" w="9525">
                     <a:solidFill>
                       <a:srgbClr val="000000"/>
                     </a:solidFill>
@@ -13364,7 +13364,7 @@
               </a:ln>
               <a:extLst>
                 <a:ext uri="{91240B29-F687-4f45-9708-019B960494DF}">
-                  <a14:hiddenLine xmlns="" xmlns:a14="http://schemas.microsoft.com/office/drawing/2010/main" w="9525">
+                  <a14:hiddenLine xmlns:a14="http://schemas.microsoft.com/office/drawing/2010/main" xmlns="" w="9525">
                     <a:solidFill>
                       <a:srgbClr val="000000"/>
                     </a:solidFill>
@@ -13454,7 +13454,7 @@
               </a:ln>
               <a:extLst>
                 <a:ext uri="{91240B29-F687-4f45-9708-019B960494DF}">
-                  <a14:hiddenLine xmlns="" xmlns:a14="http://schemas.microsoft.com/office/drawing/2010/main" w="9525">
+                  <a14:hiddenLine xmlns:a14="http://schemas.microsoft.com/office/drawing/2010/main" xmlns="" w="9525">
                     <a:solidFill>
                       <a:srgbClr val="000000"/>
                     </a:solidFill>
@@ -13516,7 +13516,7 @@
               </a:ln>
               <a:extLst>
                 <a:ext uri="{91240B29-F687-4f45-9708-019B960494DF}">
-                  <a14:hiddenLine xmlns="" xmlns:a14="http://schemas.microsoft.com/office/drawing/2010/main" w="9525">
+                  <a14:hiddenLine xmlns:a14="http://schemas.microsoft.com/office/drawing/2010/main" xmlns="" w="9525">
                     <a:solidFill>
                       <a:srgbClr val="000000"/>
                     </a:solidFill>
@@ -13606,7 +13606,7 @@
               </a:ln>
               <a:extLst>
                 <a:ext uri="{91240B29-F687-4f45-9708-019B960494DF}">
-                  <a14:hiddenLine xmlns="" xmlns:a14="http://schemas.microsoft.com/office/drawing/2010/main" w="9525">
+                  <a14:hiddenLine xmlns:a14="http://schemas.microsoft.com/office/drawing/2010/main" xmlns="" w="9525">
                     <a:solidFill>
                       <a:srgbClr val="000000"/>
                     </a:solidFill>
@@ -13671,7 +13671,7 @@
               </a:ln>
               <a:extLst>
                 <a:ext uri="{91240B29-F687-4f45-9708-019B960494DF}">
-                  <a14:hiddenLine xmlns="" xmlns:a14="http://schemas.microsoft.com/office/drawing/2010/main" w="9525">
+                  <a14:hiddenLine xmlns:a14="http://schemas.microsoft.com/office/drawing/2010/main" xmlns="" w="9525">
                     <a:solidFill>
                       <a:srgbClr val="000000"/>
                     </a:solidFill>
@@ -13733,7 +13733,7 @@
               </a:ln>
               <a:extLst>
                 <a:ext uri="{91240B29-F687-4f45-9708-019B960494DF}">
-                  <a14:hiddenLine xmlns="" xmlns:a14="http://schemas.microsoft.com/office/drawing/2010/main" w="9525">
+                  <a14:hiddenLine xmlns:a14="http://schemas.microsoft.com/office/drawing/2010/main" xmlns="" w="9525">
                     <a:solidFill>
                       <a:srgbClr val="000000"/>
                     </a:solidFill>
@@ -13823,7 +13823,7 @@
               </a:ln>
               <a:extLst>
                 <a:ext uri="{91240B29-F687-4f45-9708-019B960494DF}">
-                  <a14:hiddenLine xmlns="" xmlns:a14="http://schemas.microsoft.com/office/drawing/2010/main" w="9525">
+                  <a14:hiddenLine xmlns:a14="http://schemas.microsoft.com/office/drawing/2010/main" xmlns="" w="9525">
                     <a:solidFill>
                       <a:srgbClr val="000000"/>
                     </a:solidFill>
@@ -13913,7 +13913,7 @@
               </a:ln>
               <a:extLst>
                 <a:ext uri="{91240B29-F687-4f45-9708-019B960494DF}">
-                  <a14:hiddenLine xmlns="" xmlns:a14="http://schemas.microsoft.com/office/drawing/2010/main" w="9525">
+                  <a14:hiddenLine xmlns:a14="http://schemas.microsoft.com/office/drawing/2010/main" xmlns="" w="9525">
                     <a:solidFill>
                       <a:srgbClr val="000000"/>
                     </a:solidFill>
@@ -13978,7 +13978,7 @@
               </a:ln>
               <a:extLst>
                 <a:ext uri="{91240B29-F687-4f45-9708-019B960494DF}">
-                  <a14:hiddenLine xmlns="" xmlns:a14="http://schemas.microsoft.com/office/drawing/2010/main" w="9525">
+                  <a14:hiddenLine xmlns:a14="http://schemas.microsoft.com/office/drawing/2010/main" xmlns="" w="9525">
                     <a:solidFill>
                       <a:srgbClr val="000000"/>
                     </a:solidFill>
@@ -14098,7 +14098,7 @@
               </a:ln>
               <a:extLst>
                 <a:ext uri="{91240B29-F687-4f45-9708-019B960494DF}">
-                  <a14:hiddenLine xmlns="" xmlns:a14="http://schemas.microsoft.com/office/drawing/2010/main" w="9525">
+                  <a14:hiddenLine xmlns:a14="http://schemas.microsoft.com/office/drawing/2010/main" xmlns="" w="9525">
                     <a:solidFill>
                       <a:srgbClr val="000000"/>
                     </a:solidFill>
@@ -14196,7 +14196,7 @@
               </a:ln>
               <a:extLst>
                 <a:ext uri="{91240B29-F687-4f45-9708-019B960494DF}">
-                  <a14:hiddenLine xmlns="" xmlns:a14="http://schemas.microsoft.com/office/drawing/2010/main" w="9525">
+                  <a14:hiddenLine xmlns:a14="http://schemas.microsoft.com/office/drawing/2010/main" xmlns="" w="9525">
                     <a:solidFill>
                       <a:srgbClr val="000000"/>
                     </a:solidFill>
@@ -14311,7 +14311,7 @@
               </a:ln>
               <a:extLst>
                 <a:ext uri="{91240B29-F687-4f45-9708-019B960494DF}">
-                  <a14:hiddenLine xmlns="" xmlns:a14="http://schemas.microsoft.com/office/drawing/2010/main" w="9525">
+                  <a14:hiddenLine xmlns:a14="http://schemas.microsoft.com/office/drawing/2010/main" xmlns="" w="9525">
                     <a:solidFill>
                       <a:srgbClr val="000000"/>
                     </a:solidFill>
@@ -14401,7 +14401,7 @@
               </a:ln>
               <a:extLst>
                 <a:ext uri="{91240B29-F687-4f45-9708-019B960494DF}">
-                  <a14:hiddenLine xmlns="" xmlns:a14="http://schemas.microsoft.com/office/drawing/2010/main" w="9525">
+                  <a14:hiddenLine xmlns:a14="http://schemas.microsoft.com/office/drawing/2010/main" xmlns="" w="9525">
                     <a:solidFill>
                       <a:srgbClr val="000000"/>
                     </a:solidFill>
@@ -14466,7 +14466,7 @@
               </a:ln>
               <a:extLst>
                 <a:ext uri="{91240B29-F687-4f45-9708-019B960494DF}">
-                  <a14:hiddenLine xmlns="" xmlns:a14="http://schemas.microsoft.com/office/drawing/2010/main" w="9525">
+                  <a14:hiddenLine xmlns:a14="http://schemas.microsoft.com/office/drawing/2010/main" xmlns="" w="9525">
                     <a:solidFill>
                       <a:srgbClr val="000000"/>
                     </a:solidFill>
@@ -14556,7 +14556,7 @@
               </a:ln>
               <a:extLst>
                 <a:ext uri="{91240B29-F687-4f45-9708-019B960494DF}">
-                  <a14:hiddenLine xmlns="" xmlns:a14="http://schemas.microsoft.com/office/drawing/2010/main" w="9525">
+                  <a14:hiddenLine xmlns:a14="http://schemas.microsoft.com/office/drawing/2010/main" xmlns="" w="9525">
                     <a:solidFill>
                       <a:srgbClr val="000000"/>
                     </a:solidFill>
@@ -14624,7 +14624,7 @@
               </a:ln>
               <a:extLst>
                 <a:ext uri="{91240B29-F687-4f45-9708-019B960494DF}">
-                  <a14:hiddenLine xmlns="" xmlns:a14="http://schemas.microsoft.com/office/drawing/2010/main" w="9525">
+                  <a14:hiddenLine xmlns:a14="http://schemas.microsoft.com/office/drawing/2010/main" xmlns="" w="9525">
                     <a:solidFill>
                       <a:srgbClr val="000000"/>
                     </a:solidFill>
@@ -14714,7 +14714,7 @@
               </a:ln>
               <a:extLst>
                 <a:ext uri="{91240B29-F687-4f45-9708-019B960494DF}">
-                  <a14:hiddenLine xmlns="" xmlns:a14="http://schemas.microsoft.com/office/drawing/2010/main" w="9525">
+                  <a14:hiddenLine xmlns:a14="http://schemas.microsoft.com/office/drawing/2010/main" xmlns="" w="9525">
                     <a:solidFill>
                       <a:srgbClr val="000000"/>
                     </a:solidFill>
@@ -14782,7 +14782,7 @@
               </a:ln>
               <a:extLst>
                 <a:ext uri="{91240B29-F687-4f45-9708-019B960494DF}">
-                  <a14:hiddenLine xmlns="" xmlns:a14="http://schemas.microsoft.com/office/drawing/2010/main" w="9525">
+                  <a14:hiddenLine xmlns:a14="http://schemas.microsoft.com/office/drawing/2010/main" xmlns="" w="9525">
                     <a:solidFill>
                       <a:srgbClr val="000000"/>
                     </a:solidFill>
@@ -14872,7 +14872,7 @@
               </a:ln>
               <a:extLst>
                 <a:ext uri="{91240B29-F687-4f45-9708-019B960494DF}">
-                  <a14:hiddenLine xmlns="" xmlns:a14="http://schemas.microsoft.com/office/drawing/2010/main" w="9525">
+                  <a14:hiddenLine xmlns:a14="http://schemas.microsoft.com/office/drawing/2010/main" xmlns="" w="9525">
                     <a:solidFill>
                       <a:srgbClr val="000000"/>
                     </a:solidFill>
@@ -14906,7 +14906,7 @@
               </a:ln>
               <a:extLst>
                 <a:ext uri="{91240B29-F687-4f45-9708-019B960494DF}">
-                  <a14:hiddenLine xmlns="" xmlns:a14="http://schemas.microsoft.com/office/drawing/2010/main" w="9525">
+                  <a14:hiddenLine xmlns:a14="http://schemas.microsoft.com/office/drawing/2010/main" xmlns="" w="9525">
                     <a:solidFill>
                       <a:srgbClr val="000000"/>
                     </a:solidFill>
@@ -15046,7 +15046,7 @@
           <a:p>
             <a:fld id="{E7EE424C-FCA3-4EDD-B274-8E055D649B7D}" type="datetime1">
               <a:rPr lang="en-US" smtClean="0"/>
-              <a:t>8/9/2025</a:t>
+              <a:t>8/14/2025</a:t>
             </a:fld>
             <a:endParaRPr lang="en-US" dirty="0"/>
           </a:p>
@@ -15484,7 +15484,7 @@
                 <a16:creationId xmlns:a16="http://schemas.microsoft.com/office/drawing/2014/main" id="{230BD1B1-AA22-48F1-B3ED-579CD284605D}"/>
               </a:ext>
               <a:ext uri="{C183D7F6-B498-43B3-948B-1728B52AA6E4}">
-                <adec:decorative xmlns="" xmlns:adec="http://schemas.microsoft.com/office/drawing/2017/decorative" val="1"/>
+                <adec:decorative xmlns:adec="http://schemas.microsoft.com/office/drawing/2017/decorative" xmlns="" val="1"/>
               </a:ext>
             </a:extLst>
           </p:cNvPr>
@@ -15737,8 +15737,8 @@
         </p:nvSpPr>
         <p:spPr>
           <a:xfrm>
-            <a:off x="789387" y="2376735"/>
-            <a:ext cx="3616160" cy="3374796"/>
+            <a:off x="789387" y="2376734"/>
+            <a:ext cx="3616160" cy="4165467"/>
           </a:xfrm>
           <a:prstGeom prst="rect">
             <a:avLst/>
@@ -15771,17 +15771,6 @@
           <a:lstStyle/>
           <a:p>
             <a:pPr algn="ctr"/>
-            <a:r>
-              <a:rPr lang="en-SG" b="1" i="1" dirty="0" smtClean="0">
-                <a:solidFill>
-                  <a:schemeClr val="bg1">
-                    <a:lumMod val="95000"/>
-                    <a:lumOff val="5000"/>
-                  </a:schemeClr>
-                </a:solidFill>
-              </a:rPr>
-              <a:t>Accuracy = 0.72</a:t>
-            </a:r>
             <a:endParaRPr lang="en-SG" b="1" i="1" dirty="0">
               <a:solidFill>
                 <a:schemeClr val="bg1">
@@ -15805,8 +15794,8 @@
         </p:nvSpPr>
         <p:spPr>
           <a:xfrm>
-            <a:off x="795585" y="1406536"/>
-            <a:ext cx="10848479" cy="549818"/>
+            <a:off x="795585" y="1391061"/>
+            <a:ext cx="10848479" cy="565293"/>
           </a:xfrm>
           <a:solidFill>
             <a:schemeClr val="bg2">
@@ -15822,7 +15811,7 @@
         </p:spPr>
         <p:txBody>
           <a:bodyPr>
-            <a:normAutofit/>
+            <a:normAutofit fontScale="70000" lnSpcReduction="20000"/>
           </a:bodyPr>
           <a:lstStyle/>
           <a:p>
@@ -15831,7 +15820,19 @@
             </a:pPr>
             <a:r>
               <a:rPr lang="en-US" i="1" dirty="0" smtClean="0"/>
-              <a:t>Comparison of 3 models: Logistic Regression, Support Vector Machine and Naïve Bayes</a:t>
+              <a:t>Comparison of 3 models: Logistic Regression, Support Vector Machine and Naïve </a:t>
+            </a:r>
+            <a:r>
+              <a:rPr lang="en-US" i="1" dirty="0" smtClean="0"/>
+              <a:t>Bayes. Prediction on </a:t>
+            </a:r>
+            <a:r>
+              <a:rPr lang="en-US" b="1" i="1" dirty="0" smtClean="0"/>
+              <a:t>delay = 1 </a:t>
+            </a:r>
+            <a:r>
+              <a:rPr lang="en-US" i="1" dirty="0" smtClean="0"/>
+              <a:t>is very important, we focus on the recall metrics (of all actual delayed, how many are corrected predicted)</a:t>
             </a:r>
             <a:endParaRPr lang="en-US" dirty="0"/>
           </a:p>
@@ -15844,30 +15845,6 @@
           </a:p>
         </p:txBody>
       </p:sp>
-      <p:pic>
-        <p:nvPicPr>
-          <p:cNvPr id="4" name="Picture 3"/>
-          <p:cNvPicPr>
-            <a:picLocks noChangeAspect="1"/>
-          </p:cNvPicPr>
-          <p:nvPr/>
-        </p:nvPicPr>
-        <p:blipFill>
-          <a:blip r:embed="rId2"/>
-          <a:stretch>
-            <a:fillRect/>
-          </a:stretch>
-        </p:blipFill>
-        <p:spPr>
-          <a:xfrm>
-            <a:off x="1094276" y="3102177"/>
-            <a:ext cx="3006381" cy="1083149"/>
-          </a:xfrm>
-          <a:prstGeom prst="rect">
-            <a:avLst/>
-          </a:prstGeom>
-        </p:spPr>
-      </p:pic>
       <p:sp>
         <p:nvSpPr>
           <p:cNvPr id="9" name="Rectangle 8"/>
@@ -15877,7 +15854,7 @@
         <p:spPr>
           <a:xfrm>
             <a:off x="4411744" y="2376219"/>
-            <a:ext cx="3616160" cy="3374796"/>
+            <a:ext cx="3616160" cy="4165982"/>
           </a:xfrm>
           <a:prstGeom prst="rect">
             <a:avLst/>
@@ -15913,20 +15890,17 @@
             <a:r>
               <a:rPr lang="en-SG" b="1" i="1" dirty="0" smtClean="0">
                 <a:solidFill>
-                  <a:schemeClr val="bg1">
-                    <a:lumMod val="95000"/>
-                    <a:lumOff val="5000"/>
-                  </a:schemeClr>
+                  <a:srgbClr val="000000"/>
                 </a:solidFill>
               </a:rPr>
-              <a:t>Accuracy (without tuning) = 0.77</a:t>
+              <a:t>Without tuning</a:t>
             </a:r>
           </a:p>
           <a:p>
             <a:pPr algn="ctr"/>
             <a:endParaRPr lang="en-SG" b="1" i="1" dirty="0">
               <a:solidFill>
-                <a:srgbClr val="0066FF"/>
+                <a:srgbClr val="000000"/>
               </a:solidFill>
             </a:endParaRPr>
           </a:p>
@@ -15934,7 +15908,7 @@
             <a:pPr algn="ctr"/>
             <a:endParaRPr lang="en-SG" b="1" i="1" dirty="0" smtClean="0">
               <a:solidFill>
-                <a:srgbClr val="0066FF"/>
+                <a:srgbClr val="000000"/>
               </a:solidFill>
             </a:endParaRPr>
           </a:p>
@@ -15942,7 +15916,7 @@
             <a:pPr algn="ctr"/>
             <a:endParaRPr lang="en-SG" b="1" i="1" dirty="0">
               <a:solidFill>
-                <a:srgbClr val="0066FF"/>
+                <a:srgbClr val="000000"/>
               </a:solidFill>
             </a:endParaRPr>
           </a:p>
@@ -15950,7 +15924,7 @@
             <a:pPr algn="ctr"/>
             <a:endParaRPr lang="en-SG" b="1" i="1" dirty="0" smtClean="0">
               <a:solidFill>
-                <a:srgbClr val="0066FF"/>
+                <a:srgbClr val="000000"/>
               </a:solidFill>
             </a:endParaRPr>
           </a:p>
@@ -15958,7 +15932,15 @@
             <a:pPr algn="ctr"/>
             <a:endParaRPr lang="en-SG" b="1" i="1" dirty="0">
               <a:solidFill>
-                <a:srgbClr val="0066FF"/>
+                <a:srgbClr val="000000"/>
+              </a:solidFill>
+            </a:endParaRPr>
+          </a:p>
+          <a:p>
+            <a:pPr algn="ctr"/>
+            <a:endParaRPr lang="en-SG" b="1" i="1" dirty="0" smtClean="0">
+              <a:solidFill>
+                <a:srgbClr val="000000"/>
               </a:solidFill>
             </a:endParaRPr>
           </a:p>
@@ -15967,31 +15949,14 @@
             <a:r>
               <a:rPr lang="en-SG" b="1" i="1" dirty="0" smtClean="0">
                 <a:solidFill>
-                  <a:schemeClr val="bg1">
-                    <a:lumMod val="95000"/>
-                    <a:lumOff val="5000"/>
-                  </a:schemeClr>
+                  <a:srgbClr val="000000"/>
                 </a:solidFill>
               </a:rPr>
-              <a:t>Accuracy (tuning</a:t>
+              <a:t>With tuning</a:t>
             </a:r>
-            <a:r>
-              <a:rPr lang="en-SG" b="1" i="1" dirty="0">
-                <a:solidFill>
-                  <a:schemeClr val="bg1">
-                    <a:lumMod val="95000"/>
-                    <a:lumOff val="5000"/>
-                  </a:schemeClr>
-                </a:solidFill>
-              </a:rPr>
-              <a:t>) = 0.77</a:t>
-            </a:r>
-          </a:p>
-          <a:p>
-            <a:pPr algn="ctr"/>
             <a:endParaRPr lang="en-SG" b="1" i="1" dirty="0">
               <a:solidFill>
-                <a:srgbClr val="0066FF"/>
+                <a:srgbClr val="000000"/>
               </a:solidFill>
             </a:endParaRPr>
           </a:p>
@@ -16055,7 +16020,7 @@
         <p:spPr>
           <a:xfrm>
             <a:off x="8034100" y="2376219"/>
-            <a:ext cx="3616161" cy="3374796"/>
+            <a:ext cx="3616161" cy="4165982"/>
           </a:xfrm>
           <a:prstGeom prst="rect">
             <a:avLst/>
@@ -16088,17 +16053,6 @@
           <a:lstStyle/>
           <a:p>
             <a:pPr algn="ctr"/>
-            <a:r>
-              <a:rPr lang="en-SG" b="1" i="1" dirty="0" smtClean="0">
-                <a:solidFill>
-                  <a:schemeClr val="bg1">
-                    <a:lumMod val="95000"/>
-                    <a:lumOff val="5000"/>
-                  </a:schemeClr>
-                </a:solidFill>
-              </a:rPr>
-              <a:t>Accuracy = 0.77</a:t>
-            </a:r>
             <a:endParaRPr lang="en-SG" b="1" i="1" dirty="0">
               <a:solidFill>
                 <a:schemeClr val="bg1">
@@ -16110,54 +16064,6 @@
           </a:p>
         </p:txBody>
       </p:sp>
-      <p:pic>
-        <p:nvPicPr>
-          <p:cNvPr id="5" name="Picture 4"/>
-          <p:cNvPicPr>
-            <a:picLocks noChangeAspect="1"/>
-          </p:cNvPicPr>
-          <p:nvPr/>
-        </p:nvPicPr>
-        <p:blipFill>
-          <a:blip r:embed="rId3"/>
-          <a:stretch>
-            <a:fillRect/>
-          </a:stretch>
-        </p:blipFill>
-        <p:spPr>
-          <a:xfrm>
-            <a:off x="4709480" y="2811355"/>
-            <a:ext cx="3020686" cy="1083149"/>
-          </a:xfrm>
-          <a:prstGeom prst="rect">
-            <a:avLst/>
-          </a:prstGeom>
-        </p:spPr>
-      </p:pic>
-      <p:pic>
-        <p:nvPicPr>
-          <p:cNvPr id="12" name="Picture 11"/>
-          <p:cNvPicPr>
-            <a:picLocks noChangeAspect="1"/>
-          </p:cNvPicPr>
-          <p:nvPr/>
-        </p:nvPicPr>
-        <p:blipFill>
-          <a:blip r:embed="rId4"/>
-          <a:stretch>
-            <a:fillRect/>
-          </a:stretch>
-        </p:blipFill>
-        <p:spPr>
-          <a:xfrm>
-            <a:off x="4481170" y="4594148"/>
-            <a:ext cx="3437345" cy="797984"/>
-          </a:xfrm>
-          <a:prstGeom prst="rect">
-            <a:avLst/>
-          </a:prstGeom>
-        </p:spPr>
-      </p:pic>
       <p:sp>
         <p:nvSpPr>
           <p:cNvPr id="15" name="Rectangle 14"/>
@@ -16209,7 +16115,79 @@
       </p:sp>
       <p:pic>
         <p:nvPicPr>
-          <p:cNvPr id="13" name="Picture 12"/>
+          <p:cNvPr id="14" name="Picture 13"/>
+          <p:cNvPicPr>
+            <a:picLocks noChangeAspect="1"/>
+          </p:cNvPicPr>
+          <p:nvPr/>
+        </p:nvPicPr>
+        <p:blipFill>
+          <a:blip r:embed="rId2"/>
+          <a:stretch>
+            <a:fillRect/>
+          </a:stretch>
+        </p:blipFill>
+        <p:spPr>
+          <a:xfrm>
+            <a:off x="908474" y="3650389"/>
+            <a:ext cx="3434369" cy="1617641"/>
+          </a:xfrm>
+          <a:prstGeom prst="rect">
+            <a:avLst/>
+          </a:prstGeom>
+        </p:spPr>
+      </p:pic>
+      <p:pic>
+        <p:nvPicPr>
+          <p:cNvPr id="16" name="Picture 15"/>
+          <p:cNvPicPr>
+            <a:picLocks noChangeAspect="1"/>
+          </p:cNvPicPr>
+          <p:nvPr/>
+        </p:nvPicPr>
+        <p:blipFill>
+          <a:blip r:embed="rId3"/>
+          <a:stretch>
+            <a:fillRect/>
+          </a:stretch>
+        </p:blipFill>
+        <p:spPr>
+          <a:xfrm>
+            <a:off x="4608169" y="2796084"/>
+            <a:ext cx="3217112" cy="1411014"/>
+          </a:xfrm>
+          <a:prstGeom prst="rect">
+            <a:avLst/>
+          </a:prstGeom>
+        </p:spPr>
+      </p:pic>
+      <p:pic>
+        <p:nvPicPr>
+          <p:cNvPr id="17" name="Picture 16"/>
+          <p:cNvPicPr>
+            <a:picLocks noChangeAspect="1"/>
+          </p:cNvPicPr>
+          <p:nvPr/>
+        </p:nvPicPr>
+        <p:blipFill>
+          <a:blip r:embed="rId4"/>
+          <a:stretch>
+            <a:fillRect/>
+          </a:stretch>
+        </p:blipFill>
+        <p:spPr>
+          <a:xfrm>
+            <a:off x="4636349" y="4810544"/>
+            <a:ext cx="3188932" cy="1411014"/>
+          </a:xfrm>
+          <a:prstGeom prst="rect">
+            <a:avLst/>
+          </a:prstGeom>
+        </p:spPr>
+      </p:pic>
+      <p:pic>
+        <p:nvPicPr>
+          <p:cNvPr id="18" name="Picture 17"/>
           <p:cNvPicPr>
             <a:picLocks noChangeAspect="1"/>
           </p:cNvPicPr>
@@ -16223,14 +16201,198 @@
         </p:blipFill>
         <p:spPr>
           <a:xfrm>
-            <a:off x="8197933" y="3102177"/>
-            <a:ext cx="3340684" cy="1102199"/>
+            <a:off x="8123894" y="3650387"/>
+            <a:ext cx="3436571" cy="1617643"/>
           </a:xfrm>
           <a:prstGeom prst="rect">
             <a:avLst/>
           </a:prstGeom>
         </p:spPr>
       </p:pic>
+      <p:sp>
+        <p:nvSpPr>
+          <p:cNvPr id="19" name="Rectangle 18"/>
+          <p:cNvSpPr/>
+          <p:nvPr/>
+        </p:nvSpPr>
+        <p:spPr>
+          <a:xfrm>
+            <a:off x="2489200" y="4378961"/>
+            <a:ext cx="721360" cy="243839"/>
+          </a:xfrm>
+          <a:prstGeom prst="rect">
+            <a:avLst/>
+          </a:prstGeom>
+          <a:noFill/>
+          <a:ln w="38100">
+            <a:solidFill>
+              <a:srgbClr val="FF0000"/>
+            </a:solidFill>
+          </a:ln>
+        </p:spPr>
+        <p:style>
+          <a:lnRef idx="2">
+            <a:schemeClr val="accent1">
+              <a:shade val="50000"/>
+            </a:schemeClr>
+          </a:lnRef>
+          <a:fillRef idx="1">
+            <a:schemeClr val="accent1"/>
+          </a:fillRef>
+          <a:effectRef idx="0">
+            <a:schemeClr val="accent1"/>
+          </a:effectRef>
+          <a:fontRef idx="minor">
+            <a:schemeClr val="lt1"/>
+          </a:fontRef>
+        </p:style>
+        <p:txBody>
+          <a:bodyPr rtlCol="0" anchor="ctr"/>
+          <a:lstStyle/>
+          <a:p>
+            <a:pPr algn="ctr"/>
+            <a:endParaRPr lang="en-SG"/>
+          </a:p>
+        </p:txBody>
+      </p:sp>
+      <p:sp>
+        <p:nvSpPr>
+          <p:cNvPr id="20" name="Rectangle 19"/>
+          <p:cNvSpPr/>
+          <p:nvPr/>
+        </p:nvSpPr>
+        <p:spPr>
+          <a:xfrm>
+            <a:off x="6094412" y="3371051"/>
+            <a:ext cx="721360" cy="243839"/>
+          </a:xfrm>
+          <a:prstGeom prst="rect">
+            <a:avLst/>
+          </a:prstGeom>
+          <a:noFill/>
+          <a:ln w="38100">
+            <a:solidFill>
+              <a:srgbClr val="FF0000"/>
+            </a:solidFill>
+          </a:ln>
+        </p:spPr>
+        <p:style>
+          <a:lnRef idx="2">
+            <a:schemeClr val="accent1">
+              <a:shade val="50000"/>
+            </a:schemeClr>
+          </a:lnRef>
+          <a:fillRef idx="1">
+            <a:schemeClr val="accent1"/>
+          </a:fillRef>
+          <a:effectRef idx="0">
+            <a:schemeClr val="accent1"/>
+          </a:effectRef>
+          <a:fontRef idx="minor">
+            <a:schemeClr val="lt1"/>
+          </a:fontRef>
+        </p:style>
+        <p:txBody>
+          <a:bodyPr rtlCol="0" anchor="ctr"/>
+          <a:lstStyle/>
+          <a:p>
+            <a:pPr algn="ctr"/>
+            <a:endParaRPr lang="en-SG"/>
+          </a:p>
+        </p:txBody>
+      </p:sp>
+      <p:sp>
+        <p:nvSpPr>
+          <p:cNvPr id="21" name="Rectangle 20"/>
+          <p:cNvSpPr/>
+          <p:nvPr/>
+        </p:nvSpPr>
+        <p:spPr>
+          <a:xfrm>
+            <a:off x="6114732" y="5394131"/>
+            <a:ext cx="721360" cy="243839"/>
+          </a:xfrm>
+          <a:prstGeom prst="rect">
+            <a:avLst/>
+          </a:prstGeom>
+          <a:noFill/>
+          <a:ln w="38100">
+            <a:solidFill>
+              <a:srgbClr val="FF0000"/>
+            </a:solidFill>
+          </a:ln>
+        </p:spPr>
+        <p:style>
+          <a:lnRef idx="2">
+            <a:schemeClr val="accent1">
+              <a:shade val="50000"/>
+            </a:schemeClr>
+          </a:lnRef>
+          <a:fillRef idx="1">
+            <a:schemeClr val="accent1"/>
+          </a:fillRef>
+          <a:effectRef idx="0">
+            <a:schemeClr val="accent1"/>
+          </a:effectRef>
+          <a:fontRef idx="minor">
+            <a:schemeClr val="lt1"/>
+          </a:fontRef>
+        </p:style>
+        <p:txBody>
+          <a:bodyPr rtlCol="0" anchor="ctr"/>
+          <a:lstStyle/>
+          <a:p>
+            <a:pPr algn="ctr"/>
+            <a:endParaRPr lang="en-SG"/>
+          </a:p>
+        </p:txBody>
+      </p:sp>
+      <p:sp>
+        <p:nvSpPr>
+          <p:cNvPr id="22" name="Rectangle 21"/>
+          <p:cNvSpPr/>
+          <p:nvPr/>
+        </p:nvSpPr>
+        <p:spPr>
+          <a:xfrm>
+            <a:off x="9752867" y="4337288"/>
+            <a:ext cx="721360" cy="243839"/>
+          </a:xfrm>
+          <a:prstGeom prst="rect">
+            <a:avLst/>
+          </a:prstGeom>
+          <a:noFill/>
+          <a:ln w="38100">
+            <a:solidFill>
+              <a:srgbClr val="FF0000"/>
+            </a:solidFill>
+          </a:ln>
+        </p:spPr>
+        <p:style>
+          <a:lnRef idx="2">
+            <a:schemeClr val="accent1">
+              <a:shade val="50000"/>
+            </a:schemeClr>
+          </a:lnRef>
+          <a:fillRef idx="1">
+            <a:schemeClr val="accent1"/>
+          </a:fillRef>
+          <a:effectRef idx="0">
+            <a:schemeClr val="accent1"/>
+          </a:effectRef>
+          <a:fontRef idx="minor">
+            <a:schemeClr val="lt1"/>
+          </a:fontRef>
+        </p:style>
+        <p:txBody>
+          <a:bodyPr rtlCol="0" anchor="ctr"/>
+          <a:lstStyle/>
+          <a:p>
+            <a:pPr algn="ctr"/>
+            <a:endParaRPr lang="en-SG"/>
+          </a:p>
+        </p:txBody>
+      </p:sp>
     </p:spTree>
     <p:extLst>
       <p:ext uri="{BB962C8B-B14F-4D97-AF65-F5344CB8AC3E}">
@@ -16345,30 +16507,6 @@
           </a:p>
         </p:txBody>
       </p:sp>
-      <p:pic>
-        <p:nvPicPr>
-          <p:cNvPr id="3" name="Picture 2"/>
-          <p:cNvPicPr>
-            <a:picLocks noChangeAspect="1"/>
-          </p:cNvPicPr>
-          <p:nvPr/>
-        </p:nvPicPr>
-        <p:blipFill>
-          <a:blip r:embed="rId2"/>
-          <a:stretch>
-            <a:fillRect/>
-          </a:stretch>
-        </p:blipFill>
-        <p:spPr>
-          <a:xfrm>
-            <a:off x="1141413" y="1898140"/>
-            <a:ext cx="4558840" cy="4333290"/>
-          </a:xfrm>
-          <a:prstGeom prst="rect">
-            <a:avLst/>
-          </a:prstGeom>
-        </p:spPr>
-      </p:pic>
       <p:graphicFrame>
         <p:nvGraphicFramePr>
           <p:cNvPr id="16" name="Table 15"/>
@@ -16378,13 +16516,13 @@
           <p:nvPr>
             <p:extLst>
               <p:ext uri="{D42A27DB-BD31-4B8C-83A1-F6EECF244321}">
-                <p14:modId xmlns:p14="http://schemas.microsoft.com/office/powerpoint/2010/main" val="1546203170"/>
+                <p14:modId xmlns:p14="http://schemas.microsoft.com/office/powerpoint/2010/main" val="598107694"/>
               </p:ext>
             </p:extLst>
           </p:nvPr>
         </p:nvGraphicFramePr>
         <p:xfrm>
-          <a:off x="6026689" y="2890215"/>
+          <a:off x="6026687" y="2689235"/>
           <a:ext cx="5502291" cy="3049257"/>
         </p:xfrm>
         <a:graphic>
@@ -16457,7 +16595,7 @@
                       <a:r>
                         <a:rPr lang="en-SG" b="1" i="1" dirty="0" smtClean="0">
                           <a:solidFill>
-                            <a:schemeClr val="bg1"/>
+                            <a:srgbClr val="0066FF"/>
                           </a:solidFill>
                         </a:rPr>
                         <a:t>Logistic</a:t>
@@ -16465,152 +16603,10 @@
                       <a:r>
                         <a:rPr lang="en-SG" b="1" i="1" baseline="0" dirty="0" smtClean="0">
                           <a:solidFill>
-                            <a:schemeClr val="bg1"/>
+                            <a:srgbClr val="0066FF"/>
                           </a:solidFill>
                         </a:rPr>
                         <a:t> Regression</a:t>
-                      </a:r>
-                      <a:endParaRPr lang="en-SG" b="1" i="1" dirty="0">
-                        <a:solidFill>
-                          <a:schemeClr val="bg1"/>
-                        </a:solidFill>
-                      </a:endParaRPr>
-                    </a:p>
-                  </a:txBody>
-                  <a:tcPr/>
-                </a:tc>
-                <a:tc>
-                  <a:txBody>
-                    <a:bodyPr/>
-                    <a:lstStyle/>
-                    <a:p>
-                      <a:r>
-                        <a:rPr lang="en-US" sz="1800" b="0" i="0" kern="1200" dirty="0" smtClean="0">
-                          <a:solidFill>
-                            <a:schemeClr val="bg1"/>
-                          </a:solidFill>
-                          <a:effectLst/>
-                          <a:latin typeface="+mn-lt"/>
-                          <a:ea typeface="+mn-ea"/>
-                          <a:cs typeface="+mn-cs"/>
-                        </a:rPr>
-                        <a:t>Accuracy</a:t>
-                      </a:r>
-                      <a:r>
-                        <a:rPr lang="en-US" sz="1800" b="0" i="0" kern="1200" baseline="0" dirty="0" smtClean="0">
-                          <a:solidFill>
-                            <a:schemeClr val="bg1"/>
-                          </a:solidFill>
-                          <a:effectLst/>
-                          <a:latin typeface="+mn-lt"/>
-                          <a:ea typeface="+mn-ea"/>
-                          <a:cs typeface="+mn-cs"/>
-                        </a:rPr>
-                        <a:t>: 0.72, AUC:0.78</a:t>
-                      </a:r>
-                      <a:endParaRPr lang="en-SG" dirty="0">
-                        <a:solidFill>
-                          <a:schemeClr val="bg1"/>
-                        </a:solidFill>
-                      </a:endParaRPr>
-                    </a:p>
-                  </a:txBody>
-                  <a:tcPr/>
-                </a:tc>
-                <a:extLst>
-                  <a:ext uri="{0D108BD9-81ED-4DB2-BD59-A6C34878D82A}">
-                    <a16:rowId xmlns:a16="http://schemas.microsoft.com/office/drawing/2014/main" val="1357484673"/>
-                  </a:ext>
-                </a:extLst>
-              </a:tr>
-              <a:tr h="477269">
-                <a:tc>
-                  <a:txBody>
-                    <a:bodyPr/>
-                    <a:lstStyle/>
-                    <a:p>
-                      <a:r>
-                        <a:rPr lang="en-SG" b="1" i="1" dirty="0" smtClean="0">
-                          <a:solidFill>
-                            <a:schemeClr val="bg1"/>
-                          </a:solidFill>
-                        </a:rPr>
-                        <a:t>SVM</a:t>
-                      </a:r>
-                      <a:endParaRPr lang="en-SG" b="1" i="1" dirty="0">
-                        <a:solidFill>
-                          <a:schemeClr val="bg1"/>
-                        </a:solidFill>
-                      </a:endParaRPr>
-                    </a:p>
-                  </a:txBody>
-                  <a:tcPr/>
-                </a:tc>
-                <a:tc>
-                  <a:txBody>
-                    <a:bodyPr/>
-                    <a:lstStyle/>
-                    <a:p>
-                      <a:r>
-                        <a:rPr lang="en-US" sz="1800" b="0" i="0" kern="1200" dirty="0" smtClean="0">
-                          <a:solidFill>
-                            <a:schemeClr val="bg1"/>
-                          </a:solidFill>
-                          <a:effectLst/>
-                          <a:latin typeface="+mn-lt"/>
-                          <a:ea typeface="+mn-ea"/>
-                          <a:cs typeface="+mn-cs"/>
-                        </a:rPr>
-                        <a:t>Accuracy</a:t>
-                      </a:r>
-                      <a:r>
-                        <a:rPr lang="en-US" sz="1800" b="0" i="0" kern="1200" baseline="0" dirty="0" smtClean="0">
-                          <a:solidFill>
-                            <a:schemeClr val="bg1"/>
-                          </a:solidFill>
-                          <a:effectLst/>
-                          <a:latin typeface="+mn-lt"/>
-                          <a:ea typeface="+mn-ea"/>
-                          <a:cs typeface="+mn-cs"/>
-                        </a:rPr>
-                        <a:t>: 0.77, AUC:0.81</a:t>
-                      </a:r>
-                      <a:endParaRPr lang="en-SG" dirty="0">
-                        <a:solidFill>
-                          <a:schemeClr val="bg1"/>
-                        </a:solidFill>
-                      </a:endParaRPr>
-                    </a:p>
-                  </a:txBody>
-                  <a:tcPr/>
-                </a:tc>
-                <a:extLst>
-                  <a:ext uri="{0D108BD9-81ED-4DB2-BD59-A6C34878D82A}">
-                    <a16:rowId xmlns:a16="http://schemas.microsoft.com/office/drawing/2014/main" val="2354627715"/>
-                  </a:ext>
-                </a:extLst>
-              </a:tr>
-              <a:tr h="576451">
-                <a:tc>
-                  <a:txBody>
-                    <a:bodyPr/>
-                    <a:lstStyle/>
-                    <a:p>
-                      <a:r>
-                        <a:rPr lang="en-SG" b="1" i="1" dirty="0" smtClean="0">
-                          <a:solidFill>
-                            <a:srgbClr val="0066FF"/>
-                          </a:solidFill>
-                        </a:rPr>
-                        <a:t>Naïve</a:t>
-                      </a:r>
-                      <a:r>
-                        <a:rPr lang="en-SG" b="1" i="1" baseline="0" dirty="0" smtClean="0">
-                          <a:solidFill>
-                            <a:srgbClr val="0066FF"/>
-                          </a:solidFill>
-                        </a:rPr>
-                        <a:t> Bayes</a:t>
                       </a:r>
                       <a:endParaRPr lang="en-SG" b="1" i="1" dirty="0">
                         <a:solidFill>
@@ -16636,23 +16632,141 @@
                           <a:ea typeface="+mn-ea"/>
                           <a:cs typeface="+mn-cs"/>
                         </a:rPr>
-                        <a:t>Accuracy</a:t>
+                        <a:t>Recall: 0.66</a:t>
                       </a:r>
+                      <a:endParaRPr lang="en-SG" dirty="0">
+                        <a:solidFill>
+                          <a:srgbClr val="0066FF"/>
+                        </a:solidFill>
+                      </a:endParaRPr>
+                    </a:p>
+                  </a:txBody>
+                  <a:tcPr/>
+                </a:tc>
+                <a:extLst>
+                  <a:ext uri="{0D108BD9-81ED-4DB2-BD59-A6C34878D82A}">
+                    <a16:rowId xmlns:a16="http://schemas.microsoft.com/office/drawing/2014/main" val="1357484673"/>
+                  </a:ext>
+                </a:extLst>
+              </a:tr>
+              <a:tr h="477269">
+                <a:tc>
+                  <a:txBody>
+                    <a:bodyPr/>
+                    <a:lstStyle/>
+                    <a:p>
                       <a:r>
-                        <a:rPr lang="en-US" sz="1800" b="0" i="0" kern="1200" baseline="0" dirty="0" smtClean="0">
+                        <a:rPr lang="en-SG" b="1" i="1" dirty="0" smtClean="0">
                           <a:solidFill>
-                            <a:srgbClr val="0066FF"/>
+                            <a:srgbClr val="000000"/>
+                          </a:solidFill>
+                        </a:rPr>
+                        <a:t>SVM</a:t>
+                      </a:r>
+                      <a:endParaRPr lang="en-SG" b="1" i="1" dirty="0">
+                        <a:solidFill>
+                          <a:srgbClr val="000000"/>
+                        </a:solidFill>
+                      </a:endParaRPr>
+                    </a:p>
+                  </a:txBody>
+                  <a:tcPr/>
+                </a:tc>
+                <a:tc>
+                  <a:txBody>
+                    <a:bodyPr/>
+                    <a:lstStyle/>
+                    <a:p>
+                      <a:r>
+                        <a:rPr lang="en-US" sz="1800" b="0" i="0" kern="1200" dirty="0" smtClean="0">
+                          <a:solidFill>
+                            <a:srgbClr val="000000"/>
                           </a:solidFill>
                           <a:effectLst/>
                           <a:latin typeface="+mn-lt"/>
                           <a:ea typeface="+mn-ea"/>
                           <a:cs typeface="+mn-cs"/>
                         </a:rPr>
-                        <a:t>: 0.77, AUC:0.83</a:t>
+                        <a:t>Recall: 0.61</a:t>
                       </a:r>
                       <a:endParaRPr lang="en-SG" dirty="0">
                         <a:solidFill>
-                          <a:srgbClr val="0066FF"/>
+                          <a:srgbClr val="000000"/>
+                        </a:solidFill>
+                      </a:endParaRPr>
+                    </a:p>
+                  </a:txBody>
+                  <a:tcPr/>
+                </a:tc>
+                <a:extLst>
+                  <a:ext uri="{0D108BD9-81ED-4DB2-BD59-A6C34878D82A}">
+                    <a16:rowId xmlns:a16="http://schemas.microsoft.com/office/drawing/2014/main" val="2354627715"/>
+                  </a:ext>
+                </a:extLst>
+              </a:tr>
+              <a:tr h="576451">
+                <a:tc>
+                  <a:txBody>
+                    <a:bodyPr/>
+                    <a:lstStyle/>
+                    <a:p>
+                      <a:r>
+                        <a:rPr lang="en-SG" b="1" i="1" dirty="0" smtClean="0">
+                          <a:solidFill>
+                            <a:srgbClr val="000000"/>
+                          </a:solidFill>
+                        </a:rPr>
+                        <a:t>Naïve</a:t>
+                      </a:r>
+                      <a:r>
+                        <a:rPr lang="en-SG" b="1" i="1" baseline="0" dirty="0" smtClean="0">
+                          <a:solidFill>
+                            <a:srgbClr val="000000"/>
+                          </a:solidFill>
+                        </a:rPr>
+                        <a:t> Bayes</a:t>
+                      </a:r>
+                      <a:endParaRPr lang="en-SG" b="1" i="1" dirty="0">
+                        <a:solidFill>
+                          <a:srgbClr val="000000"/>
+                        </a:solidFill>
+                      </a:endParaRPr>
+                    </a:p>
+                  </a:txBody>
+                  <a:tcPr/>
+                </a:tc>
+                <a:tc>
+                  <a:txBody>
+                    <a:bodyPr/>
+                    <a:lstStyle/>
+                    <a:p>
+                      <a:r>
+                        <a:rPr lang="en-US" sz="1800" b="0" i="0" kern="1200" dirty="0" smtClean="0">
+                          <a:solidFill>
+                            <a:srgbClr val="000000"/>
+                          </a:solidFill>
+                          <a:effectLst/>
+                          <a:latin typeface="+mn-lt"/>
+                          <a:ea typeface="+mn-ea"/>
+                          <a:cs typeface="+mn-cs"/>
+                        </a:rPr>
+                        <a:t>Recall:</a:t>
+                      </a:r>
+                      <a:r>
+                        <a:rPr lang="en-US" sz="1800" b="0" i="0" kern="1200" baseline="0" dirty="0" smtClean="0">
+                          <a:solidFill>
+                            <a:srgbClr val="000000"/>
+                          </a:solidFill>
+                          <a:effectLst/>
+                          <a:latin typeface="+mn-lt"/>
+                          <a:ea typeface="+mn-ea"/>
+                          <a:cs typeface="+mn-cs"/>
+                        </a:rPr>
+                        <a:t> 0.60</a:t>
+                      </a:r>
+                      <a:endParaRPr lang="en-SG" dirty="0">
+                        <a:solidFill>
+                          <a:srgbClr val="000000"/>
                         </a:solidFill>
                       </a:endParaRPr>
                     </a:p>
@@ -16674,7 +16788,7 @@
                       <a:r>
                         <a:rPr lang="en-SG" b="1" i="1" dirty="0" smtClean="0">
                           <a:solidFill>
-                            <a:schemeClr val="bg1"/>
+                            <a:srgbClr val="000000"/>
                           </a:solidFill>
                         </a:rPr>
                         <a:t>SVM</a:t>
@@ -16682,14 +16796,14 @@
                       <a:r>
                         <a:rPr lang="en-SG" b="1" i="1" baseline="0" dirty="0" smtClean="0">
                           <a:solidFill>
-                            <a:schemeClr val="bg1"/>
+                            <a:srgbClr val="000000"/>
                           </a:solidFill>
                         </a:rPr>
                         <a:t> with tuning &amp; cross validation</a:t>
                       </a:r>
                       <a:endParaRPr lang="en-SG" b="1" i="1" dirty="0">
                         <a:solidFill>
-                          <a:schemeClr val="bg1"/>
+                          <a:srgbClr val="000000"/>
                         </a:solidFill>
                       </a:endParaRPr>
                     </a:p>
@@ -16701,57 +16815,40 @@
                     <a:bodyPr/>
                     <a:lstStyle/>
                     <a:p>
-                      <a:pPr marL="0" marR="0" lvl="0" indent="0" algn="l" defTabSz="914400" rtl="0" eaLnBrk="1" fontAlgn="auto" latinLnBrk="0" hangingPunct="1">
-                        <a:lnSpc>
-                          <a:spcPct val="100000"/>
-                        </a:lnSpc>
-                        <a:spcBef>
-                          <a:spcPts val="0"/>
-                        </a:spcBef>
-                        <a:spcAft>
-                          <a:spcPts val="0"/>
-                        </a:spcAft>
-                        <a:buClrTx/>
-                        <a:buSzTx/>
-                        <a:buFontTx/>
-                        <a:buNone/>
-                        <a:tabLst/>
-                        <a:defRPr/>
-                      </a:pPr>
                       <a:r>
                         <a:rPr lang="en-US" sz="1800" b="0" i="0" kern="1200" dirty="0" smtClean="0">
                           <a:solidFill>
-                            <a:schemeClr val="bg1"/>
+                            <a:srgbClr val="000000"/>
                           </a:solidFill>
                           <a:effectLst/>
                           <a:latin typeface="+mn-lt"/>
                           <a:ea typeface="+mn-ea"/>
                           <a:cs typeface="+mn-cs"/>
                         </a:rPr>
-                        <a:t>Accuracy</a:t>
+                        <a:t>Recall:</a:t>
                       </a:r>
                       <a:r>
                         <a:rPr lang="en-US" sz="1800" b="0" i="0" kern="1200" baseline="0" dirty="0" smtClean="0">
                           <a:solidFill>
-                            <a:schemeClr val="bg1"/>
+                            <a:srgbClr val="000000"/>
                           </a:solidFill>
                           <a:effectLst/>
                           <a:latin typeface="+mn-lt"/>
                           <a:ea typeface="+mn-ea"/>
                           <a:cs typeface="+mn-cs"/>
                         </a:rPr>
-                        <a:t>: 0.77, AUC:0.79</a:t>
+                        <a:t> 0.60</a:t>
                       </a:r>
                       <a:endParaRPr lang="en-SG" dirty="0" smtClean="0">
                         <a:solidFill>
-                          <a:schemeClr val="bg1"/>
+                          <a:srgbClr val="000000"/>
                         </a:solidFill>
                       </a:endParaRPr>
                     </a:p>
                     <a:p>
                       <a:endParaRPr lang="en-US" sz="1800" b="0" i="0" kern="1200" dirty="0" smtClean="0">
                         <a:solidFill>
-                          <a:schemeClr val="bg1"/>
+                          <a:srgbClr val="000000"/>
                         </a:solidFill>
                         <a:effectLst/>
                         <a:latin typeface="+mn-lt"/>
@@ -16780,8 +16877,8 @@
         </p:nvSpPr>
         <p:spPr>
           <a:xfrm>
-            <a:off x="6781700" y="1735901"/>
-            <a:ext cx="3992268" cy="830997"/>
+            <a:off x="6026688" y="1673572"/>
+            <a:ext cx="5502291" cy="1015663"/>
           </a:xfrm>
           <a:prstGeom prst="rect">
             <a:avLst/>
@@ -16801,14 +16898,46 @@
           <a:p>
             <a:pPr algn="ctr"/>
             <a:r>
-              <a:rPr lang="en-SG" sz="2400" b="1" u="sng" dirty="0" smtClean="0">
+              <a:rPr lang="en-SG" sz="2000" b="1" u="sng" dirty="0" smtClean="0">
                 <a:solidFill>
                   <a:schemeClr val="bg1"/>
                 </a:solidFill>
               </a:rPr>
-              <a:t>Naïve Bayes selected as best model for prediction.</a:t>
+              <a:t>Logistic Regression selected to predict shipment delay. (Out of all actual </a:t>
             </a:r>
-            <a:endParaRPr lang="en-SG" sz="2400" b="1" u="sng" dirty="0">
+            <a:r>
+              <a:rPr lang="en-SG" sz="2000" b="1" u="sng" dirty="0" smtClean="0">
+                <a:solidFill>
+                  <a:schemeClr val="bg1"/>
+                </a:solidFill>
+              </a:rPr>
+              <a:t>shipment delayed, mode</a:t>
+            </a:r>
+            <a:r>
+              <a:rPr lang="en-SG" sz="2000" b="1" u="sng" dirty="0" smtClean="0">
+                <a:solidFill>
+                  <a:schemeClr val="bg1"/>
+                </a:solidFill>
+              </a:rPr>
+              <a:t>l </a:t>
+            </a:r>
+            <a:r>
+              <a:rPr lang="en-SG" sz="2000" b="1" u="sng" dirty="0" smtClean="0">
+                <a:solidFill>
+                  <a:schemeClr val="bg1"/>
+                </a:solidFill>
+              </a:rPr>
+              <a:t>can predict</a:t>
+            </a:r>
+            <a:r>
+              <a:rPr lang="en-SG" sz="2000" b="1" u="sng" dirty="0" smtClean="0">
+                <a:solidFill>
+                  <a:schemeClr val="bg1"/>
+                </a:solidFill>
+              </a:rPr>
+              <a:t> 66% of it)</a:t>
+            </a:r>
+            <a:endParaRPr lang="en-SG" sz="2000" b="1" u="sng" dirty="0">
               <a:solidFill>
                 <a:schemeClr val="bg1"/>
               </a:solidFill>
@@ -16816,6 +16945,30 @@
           </a:p>
         </p:txBody>
       </p:sp>
+      <p:pic>
+        <p:nvPicPr>
+          <p:cNvPr id="4" name="Picture 3"/>
+          <p:cNvPicPr>
+            <a:picLocks noChangeAspect="1"/>
+          </p:cNvPicPr>
+          <p:nvPr/>
+        </p:nvPicPr>
+        <p:blipFill>
+          <a:blip r:embed="rId2"/>
+          <a:stretch>
+            <a:fillRect/>
+          </a:stretch>
+        </p:blipFill>
+        <p:spPr>
+          <a:xfrm>
+            <a:off x="1141413" y="1898140"/>
+            <a:ext cx="4558840" cy="4237039"/>
+          </a:xfrm>
+          <a:prstGeom prst="rect">
+            <a:avLst/>
+          </a:prstGeom>
+        </p:spPr>
+      </p:pic>
     </p:spTree>
     <p:extLst>
       <p:ext uri="{BB962C8B-B14F-4D97-AF65-F5344CB8AC3E}">
@@ -16881,30 +17034,6 @@
           </a:p>
         </p:txBody>
       </p:sp>
-      <p:pic>
-        <p:nvPicPr>
-          <p:cNvPr id="4" name="Picture 3"/>
-          <p:cNvPicPr>
-            <a:picLocks noChangeAspect="1"/>
-          </p:cNvPicPr>
-          <p:nvPr/>
-        </p:nvPicPr>
-        <p:blipFill>
-          <a:blip r:embed="rId2"/>
-          <a:stretch>
-            <a:fillRect/>
-          </a:stretch>
-        </p:blipFill>
-        <p:spPr>
-          <a:xfrm>
-            <a:off x="5984241" y="2072641"/>
-            <a:ext cx="5547360" cy="3886043"/>
-          </a:xfrm>
-          <a:prstGeom prst="rect">
-            <a:avLst/>
-          </a:prstGeom>
-        </p:spPr>
-      </p:pic>
       <p:sp>
         <p:nvSpPr>
           <p:cNvPr id="8" name="Rectangle 7"/>
@@ -16948,7 +17077,19 @@
             <a:pPr algn="ctr"/>
             <a:r>
               <a:rPr lang="en-SG" dirty="0" smtClean="0"/>
-              <a:t>Learning Curve: Increase the training set will not increase the score of training and test set.</a:t>
+              <a:t>Learning Curve: Increase the training set </a:t>
+            </a:r>
+            <a:r>
+              <a:rPr lang="en-SG" dirty="0" smtClean="0"/>
+              <a:t>will </a:t>
+            </a:r>
+            <a:r>
+              <a:rPr lang="en-SG" dirty="0" smtClean="0"/>
+              <a:t>increase the score of training </a:t>
+            </a:r>
+            <a:r>
+              <a:rPr lang="en-SG" dirty="0" smtClean="0"/>
+              <a:t>set only.</a:t>
             </a:r>
             <a:endParaRPr lang="en-SG" dirty="0"/>
           </a:p>
@@ -17005,7 +17146,31 @@
       </p:sp>
       <p:pic>
         <p:nvPicPr>
-          <p:cNvPr id="5" name="Picture 4"/>
+          <p:cNvPr id="3" name="Picture 2"/>
+          <p:cNvPicPr>
+            <a:picLocks noChangeAspect="1"/>
+          </p:cNvPicPr>
+          <p:nvPr/>
+        </p:nvPicPr>
+        <p:blipFill>
+          <a:blip r:embed="rId2"/>
+          <a:stretch>
+            <a:fillRect/>
+          </a:stretch>
+        </p:blipFill>
+        <p:spPr>
+          <a:xfrm>
+            <a:off x="5984241" y="2072640"/>
+            <a:ext cx="5547359" cy="3886045"/>
+          </a:xfrm>
+          <a:prstGeom prst="rect">
+            <a:avLst/>
+          </a:prstGeom>
+        </p:spPr>
+      </p:pic>
+      <p:pic>
+        <p:nvPicPr>
+          <p:cNvPr id="6" name="Picture 5"/>
           <p:cNvPicPr>
             <a:picLocks noChangeAspect="1"/>
           </p:cNvPicPr>
@@ -17019,8 +17184,8 @@
         </p:blipFill>
         <p:spPr>
           <a:xfrm>
-            <a:off x="436882" y="2072641"/>
-            <a:ext cx="5547359" cy="3886044"/>
+            <a:off x="436881" y="2072639"/>
+            <a:ext cx="5547359" cy="3886046"/>
           </a:xfrm>
           <a:prstGeom prst="rect">
             <a:avLst/>
@@ -17126,15 +17291,7 @@
                   <a:srgbClr val="000000"/>
                 </a:solidFill>
               </a:rPr>
-              <a:t>Products</a:t>
-            </a:r>
-            <a:r>
-              <a:rPr lang="en-SG" i="1" dirty="0" smtClean="0">
-                <a:solidFill>
-                  <a:srgbClr val="000000"/>
-                </a:solidFill>
-              </a:rPr>
-              <a:t> segmentation can be done by using the combination ABC-XYZ and </a:t>
+              <a:t>Products segmentation can be done by using the combination ABC-XYZ and </a:t>
             </a:r>
             <a:r>
               <a:rPr lang="en-SG" i="1" dirty="0" err="1" smtClean="0">
@@ -17175,7 +17332,7 @@
                   <a:srgbClr val="000000"/>
                 </a:solidFill>
               </a:rPr>
-              <a:t>Prioritize </a:t>
+              <a:t>Prioritize product with AX class (high total sales, </a:t>
             </a:r>
             <a:r>
               <a:rPr lang="en-SG" i="1" dirty="0" smtClean="0">
@@ -17183,7 +17340,7 @@
                   <a:srgbClr val="000000"/>
                 </a:solidFill>
               </a:rPr>
-              <a:t>product</a:t>
+              <a:t>stable demand) </a:t>
             </a:r>
             <a:r>
               <a:rPr lang="en-SG" i="1" dirty="0" smtClean="0">
@@ -17191,7 +17348,7 @@
                   <a:srgbClr val="000000"/>
                 </a:solidFill>
               </a:rPr>
-              <a:t> with AX class (high total sales, low demand variability) which require just in time replenishment. </a:t>
+              <a:t>which require just in time replenishment. </a:t>
             </a:r>
           </a:p>
           <a:p>
@@ -17203,11 +17360,6 @@
               </a:rPr>
               <a:t>Supply shipment on products with AX class need to prioritize.</a:t>
             </a:r>
-            <a:endParaRPr lang="en-SG" i="1" dirty="0" smtClean="0">
-              <a:solidFill>
-                <a:srgbClr val="000000"/>
-              </a:solidFill>
-            </a:endParaRPr>
           </a:p>
           <a:p>
             <a:r>
@@ -17216,13 +17368,40 @@
                   <a:srgbClr val="000000"/>
                 </a:solidFill>
               </a:rPr>
-              <a:t>Shipment risk (On Time, Late) can be predicted by using Naïve Bayes model with 77% accuracy. Extra resources can be allocated on shipment that have high probability of delay.</a:t>
+              <a:t>Shipment risk </a:t>
             </a:r>
-            <a:endParaRPr lang="en-SG" i="1" dirty="0" smtClean="0">
-              <a:solidFill>
-                <a:srgbClr val="000000"/>
-              </a:solidFill>
-            </a:endParaRPr>
+            <a:r>
+              <a:rPr lang="en-SG" i="1" dirty="0" smtClean="0">
+                <a:solidFill>
+                  <a:srgbClr val="000000"/>
+                </a:solidFill>
+              </a:rPr>
+              <a:t>(Late</a:t>
+            </a:r>
+            <a:r>
+              <a:rPr lang="en-SG" i="1" dirty="0" smtClean="0">
+                <a:solidFill>
+                  <a:srgbClr val="000000"/>
+                </a:solidFill>
+              </a:rPr>
+              <a:t>) can be predicted by using </a:t>
+            </a:r>
+            <a:r>
+              <a:rPr lang="en-SG" i="1" dirty="0" smtClean="0">
+                <a:solidFill>
+                  <a:srgbClr val="000000"/>
+                </a:solidFill>
+              </a:rPr>
+              <a:t>Logistic Regression model (Recall: 66%). </a:t>
+            </a:r>
+            <a:r>
+              <a:rPr lang="en-SG" i="1" dirty="0" smtClean="0">
+                <a:solidFill>
+                  <a:srgbClr val="000000"/>
+                </a:solidFill>
+              </a:rPr>
+              <a:t>Extra resources can be allocated on shipment that have high probability of delay.</a:t>
+            </a:r>
           </a:p>
         </p:txBody>
       </p:sp>
@@ -17295,7 +17474,7 @@
           <p:nvPr>
             <p:extLst>
               <p:ext uri="{D42A27DB-BD31-4B8C-83A1-F6EECF244321}">
-                <p14:modId xmlns:p14="http://schemas.microsoft.com/office/powerpoint/2010/main" val="1951023321"/>
+                <p14:modId xmlns:p14="http://schemas.microsoft.com/office/powerpoint/2010/main" val="159721186"/>
               </p:ext>
             </p:extLst>
           </p:nvPr>
@@ -17391,7 +17570,11 @@
                       </a:r>
                       <a:r>
                         <a:rPr lang="en-SG" baseline="0" dirty="0" smtClean="0"/>
-                        <a:t> machine learning models like random forest, boosting, bagging, stacking or neural network can be tried to improve the model accuracy.</a:t>
+                        <a:t> machine learning models like random forest, boosting, bagging, stacking or neural network can be tried to improve the model </a:t>
+                      </a:r>
+                      <a:r>
+                        <a:rPr lang="en-SG" baseline="0" dirty="0" smtClean="0"/>
+                        <a:t>performance.</a:t>
                       </a:r>
                       <a:endParaRPr lang="en-SG" dirty="0"/>
                     </a:p>
@@ -17416,7 +17599,11 @@
                       </a:r>
                       <a:r>
                         <a:rPr lang="en-SG" baseline="0" dirty="0" smtClean="0"/>
-                        <a:t> use for inventory (XYZ) classification may not accurate. Wrong strategy implemented if wrong classification </a:t>
+                        <a:t> use for inventory (XYZ) classification may not accurate. Wrong strategy implemented </a:t>
+                      </a:r>
+                      <a:r>
+                        <a:rPr lang="en-SG" baseline="0" dirty="0" smtClean="0"/>
+                        <a:t>on inaccurate clustering.</a:t>
                       </a:r>
                       <a:endParaRPr lang="en-SG" dirty="0"/>
                     </a:p>
@@ -17477,7 +17664,15 @@
                       </a:r>
                       <a:r>
                         <a:rPr lang="en-SG" baseline="0" dirty="0" smtClean="0"/>
-                        <a:t> resources need to allocate on shipment clearance once the shipment arrived. Expedite the transport operation. </a:t>
+                        <a:t> resources need to allocate on </a:t>
+                      </a:r>
+                      <a:r>
+                        <a:rPr lang="en-SG" baseline="0" dirty="0" smtClean="0"/>
+                        <a:t>shipment/custom clearance </a:t>
+                      </a:r>
+                      <a:r>
+                        <a:rPr lang="en-SG" baseline="0" dirty="0" smtClean="0"/>
+                        <a:t>once the shipment arrived. Expedite the transport operation. </a:t>
                       </a:r>
                       <a:endParaRPr lang="en-SG" dirty="0"/>
                     </a:p>
@@ -17702,11 +17897,7 @@
             </a:pPr>
             <a:r>
               <a:rPr lang="en-SG" dirty="0" smtClean="0"/>
-              <a:t>Business </a:t>
-            </a:r>
-            <a:r>
-              <a:rPr lang="en-SG" dirty="0" smtClean="0"/>
-              <a:t>Problem &amp; Understanding </a:t>
+              <a:t>Business Problem &amp; Understanding </a:t>
             </a:r>
           </a:p>
           <a:p>
@@ -17716,11 +17907,7 @@
             </a:pPr>
             <a:r>
               <a:rPr lang="en-SG" dirty="0" smtClean="0"/>
-              <a:t>Proposed Analytic </a:t>
-            </a:r>
-            <a:r>
-              <a:rPr lang="en-SG" dirty="0" smtClean="0"/>
-              <a:t>Solutions</a:t>
+              <a:t>Proposed Analytic Solutions</a:t>
             </a:r>
           </a:p>
           <a:p>
@@ -17732,7 +17919,6 @@
               <a:rPr lang="en-SG" dirty="0" smtClean="0"/>
               <a:t>Data Understanding</a:t>
             </a:r>
-            <a:endParaRPr lang="en-SG" dirty="0" smtClean="0"/>
           </a:p>
           <a:p>
             <a:pPr>
@@ -17753,7 +17939,6 @@
               <a:rPr lang="en-SG" dirty="0" smtClean="0"/>
               <a:t>Shipment Prediction with Machine Learning</a:t>
             </a:r>
-            <a:endParaRPr lang="en-SG" dirty="0" smtClean="0"/>
           </a:p>
           <a:p>
             <a:pPr>
@@ -17764,7 +17949,6 @@
               <a:rPr lang="en-SG" dirty="0" smtClean="0"/>
               <a:t>Conclusion</a:t>
             </a:r>
-            <a:endParaRPr lang="en-SG" dirty="0" smtClean="0"/>
           </a:p>
           <a:p>
             <a:pPr>
@@ -17773,11 +17957,7 @@
             </a:pPr>
             <a:r>
               <a:rPr lang="en-SG" dirty="0" smtClean="0"/>
-              <a:t>Limitations </a:t>
-            </a:r>
-            <a:r>
-              <a:rPr lang="en-SG" dirty="0" smtClean="0"/>
-              <a:t>&amp; Recommendation</a:t>
+              <a:t>Limitations &amp; Recommendation</a:t>
             </a:r>
           </a:p>
         </p:txBody>
@@ -17903,11 +18083,6 @@
               </a:rPr>
               <a:t>Unforeseen shipment delay may impacts the revenue and customers’ satisfaction.</a:t>
             </a:r>
-            <a:endParaRPr lang="en-SG" i="1" dirty="0" smtClean="0">
-              <a:solidFill>
-                <a:srgbClr val="000000"/>
-              </a:solidFill>
-            </a:endParaRPr>
           </a:p>
         </p:txBody>
       </p:sp>
@@ -18800,7 +18975,6 @@
               <a:rPr lang="en-SG" dirty="0"/>
               <a:t>Inventory Segmentation (ABC-XYZ)</a:t>
             </a:r>
-            <a:endParaRPr lang="en-SG" dirty="0"/>
           </a:p>
         </p:txBody>
       </p:sp>
@@ -19190,7 +19364,6 @@
               <a:rPr lang="en-SG" dirty="0"/>
               <a:t>Inventory Segmentation (ABC-XYZ)</a:t>
             </a:r>
-            <a:endParaRPr lang="en-SG" dirty="0"/>
           </a:p>
         </p:txBody>
       </p:sp>
@@ -20364,6 +20537,15 @@
 </file>
 
 <file path=customXml/item2.xml><?xml version="1.0" encoding="utf-8"?>
+<?mso-contentType ?>
+<FormTemplates xmlns="http://schemas.microsoft.com/sharepoint/v3/contenttype/forms">
+  <Display>DocumentLibraryForm</Display>
+  <Edit>DocumentLibraryForm</Edit>
+  <New>DocumentLibraryForm</New>
+</FormTemplates>
+</file>
+
+<file path=customXml/item3.xml><?xml version="1.0" encoding="utf-8"?>
 <ct:contentTypeSchema xmlns:ct="http://schemas.microsoft.com/office/2006/metadata/contentType" xmlns:ma="http://schemas.microsoft.com/office/2006/metadata/properties/metaAttributes" ct:_="" ma:_="" ma:contentTypeName="Document" ma:contentTypeID="0x01010079F111ED35F8CC479449609E8A0923A6" ma:contentTypeVersion="11" ma:contentTypeDescription="Create a new document." ma:contentTypeScope="" ma:versionID="9677210f24a1be23c92c90fd886aa0aa">
   <xsd:schema xmlns:xsd="http://www.w3.org/2001/XMLSchema" xmlns:xs="http://www.w3.org/2001/XMLSchema" xmlns:p="http://schemas.microsoft.com/office/2006/metadata/properties" xmlns:ns2="71af3243-3dd4-4a8d-8c0d-dd76da1f02a5" xmlns:ns3="16c05727-aa75-4e4a-9b5f-8a80a1165891" targetNamespace="http://schemas.microsoft.com/office/2006/metadata/properties" ma:root="true" ma:fieldsID="60e05723c5c1908df1a1a4ebf11d344e" ns2:_="" ns3:_="">
     <xsd:import namespace="71af3243-3dd4-4a8d-8c0d-dd76da1f02a5"/>
@@ -20574,33 +20756,32 @@
 </ct:contentTypeSchema>
 </file>
 
-<file path=customXml/item3.xml><?xml version="1.0" encoding="utf-8"?>
-<?mso-contentType ?>
-<FormTemplates xmlns="http://schemas.microsoft.com/sharepoint/v3/contenttype/forms">
-  <Display>DocumentLibraryForm</Display>
-  <Edit>DocumentLibraryForm</Edit>
-  <New>DocumentLibraryForm</New>
-</FormTemplates>
-</file>
-
 <file path=customXml/itemProps1.xml><?xml version="1.0" encoding="utf-8"?>
 <ds:datastoreItem xmlns:ds="http://schemas.openxmlformats.org/officeDocument/2006/customXml" ds:itemID="{788A2F88-55C5-4ED1-9541-807C65424763}">
   <ds:schemaRefs>
+    <ds:schemaRef ds:uri="16c05727-aa75-4e4a-9b5f-8a80a1165891"/>
+    <ds:schemaRef ds:uri="http://purl.org/dc/dcmitype/"/>
     <ds:schemaRef ds:uri="http://schemas.microsoft.com/office/infopath/2007/PartnerControls"/>
     <ds:schemaRef ds:uri="http://purl.org/dc/elements/1.1/"/>
     <ds:schemaRef ds:uri="http://schemas.microsoft.com/office/2006/metadata/properties"/>
-    <ds:schemaRef ds:uri="http://purl.org/dc/terms/"/>
+    <ds:schemaRef ds:uri="http://schemas.microsoft.com/office/2006/documentManagement/types"/>
     <ds:schemaRef ds:uri="http://schemas.openxmlformats.org/package/2006/metadata/core-properties"/>
-    <ds:schemaRef ds:uri="16c05727-aa75-4e4a-9b5f-8a80a1165891"/>
-    <ds:schemaRef ds:uri="http://schemas.microsoft.com/office/2006/documentManagement/types"/>
     <ds:schemaRef ds:uri="71af3243-3dd4-4a8d-8c0d-dd76da1f02a5"/>
     <ds:schemaRef ds:uri="http://www.w3.org/XML/1998/namespace"/>
-    <ds:schemaRef ds:uri="http://purl.org/dc/dcmitype/"/>
+    <ds:schemaRef ds:uri="http://purl.org/dc/terms/"/>
   </ds:schemaRefs>
 </ds:datastoreItem>
 </file>
 
 <file path=customXml/itemProps2.xml><?xml version="1.0" encoding="utf-8"?>
+<ds:datastoreItem xmlns:ds="http://schemas.openxmlformats.org/officeDocument/2006/customXml" ds:itemID="{4F44C90D-2A62-4985-9618-3460247437B1}">
+  <ds:schemaRefs>
+    <ds:schemaRef ds:uri="http://schemas.microsoft.com/sharepoint/v3/contenttype/forms"/>
+  </ds:schemaRefs>
+</ds:datastoreItem>
+</file>
+
+<file path=customXml/itemProps3.xml><?xml version="1.0" encoding="utf-8"?>
 <ds:datastoreItem xmlns:ds="http://schemas.openxmlformats.org/officeDocument/2006/customXml" ds:itemID="{B61EAB5F-88FC-4FAE-AE3C-037A3C365EB8}">
   <ds:schemaRefs>
     <ds:schemaRef ds:uri="http://schemas.microsoft.com/office/2006/metadata/contentType"/>
@@ -20617,12 +20798,4 @@
     <ds:schemaRef ds:uri="http://schemas.microsoft.com/internal/obd"/>
   </ds:schemaRefs>
 </ds:datastoreItem>
-</file>
-
-<file path=customXml/itemProps3.xml><?xml version="1.0" encoding="utf-8"?>
-<ds:datastoreItem xmlns:ds="http://schemas.openxmlformats.org/officeDocument/2006/customXml" ds:itemID="{4F44C90D-2A62-4985-9618-3460247437B1}">
-  <ds:schemaRefs>
-    <ds:schemaRef ds:uri="http://schemas.microsoft.com/sharepoint/v3/contenttype/forms"/>
-  </ds:schemaRefs>
-</ds:datastoreItem>
 </file>